--- a/slides/Node & Backbone Slides Day 3.pptx
+++ b/slides/Node & Backbone Slides Day 3.pptx
@@ -7,11 +7,21 @@
   <p:sldIdLst>
     <p:sldId id="256" r:id="rId2"/>
     <p:sldId id="258" r:id="rId3"/>
-    <p:sldId id="283" r:id="rId4"/>
-    <p:sldId id="285" r:id="rId5"/>
-    <p:sldId id="284" r:id="rId6"/>
-    <p:sldId id="286" r:id="rId7"/>
-    <p:sldId id="287" r:id="rId8"/>
+    <p:sldId id="288" r:id="rId4"/>
+    <p:sldId id="289" r:id="rId5"/>
+    <p:sldId id="290" r:id="rId6"/>
+    <p:sldId id="292" r:id="rId7"/>
+    <p:sldId id="293" r:id="rId8"/>
+    <p:sldId id="294" r:id="rId9"/>
+    <p:sldId id="295" r:id="rId10"/>
+    <p:sldId id="296" r:id="rId11"/>
+    <p:sldId id="297" r:id="rId12"/>
+    <p:sldId id="298" r:id="rId13"/>
+    <p:sldId id="283" r:id="rId14"/>
+    <p:sldId id="285" r:id="rId15"/>
+    <p:sldId id="284" r:id="rId16"/>
+    <p:sldId id="286" r:id="rId17"/>
+    <p:sldId id="287" r:id="rId18"/>
   </p:sldIdLst>
   <p:sldSz cx="9144000" cy="6858000" type="screen4x3"/>
   <p:notesSz cx="6858000" cy="9144000"/>
@@ -294,7 +304,7 @@
           <a:p>
             <a:fld id="{6BFECD78-3C8E-49F2-8FAB-59489D168ABB}" type="datetimeFigureOut">
               <a:rPr lang="en-US" smtClean="0"/>
-              <a:t>8/22/16</a:t>
+              <a:t>8/24/16</a:t>
             </a:fld>
             <a:endParaRPr lang="en-US"/>
           </a:p>
@@ -464,7 +474,7 @@
           <a:p>
             <a:fld id="{6BFECD78-3C8E-49F2-8FAB-59489D168ABB}" type="datetimeFigureOut">
               <a:rPr lang="en-US" smtClean="0"/>
-              <a:t>8/22/16</a:t>
+              <a:t>8/24/16</a:t>
             </a:fld>
             <a:endParaRPr lang="en-US"/>
           </a:p>
@@ -644,7 +654,7 @@
           <a:p>
             <a:fld id="{6BFECD78-3C8E-49F2-8FAB-59489D168ABB}" type="datetimeFigureOut">
               <a:rPr lang="en-US" smtClean="0"/>
-              <a:t>8/22/16</a:t>
+              <a:t>8/24/16</a:t>
             </a:fld>
             <a:endParaRPr lang="en-US"/>
           </a:p>
@@ -814,7 +824,7 @@
           <a:p>
             <a:fld id="{6BFECD78-3C8E-49F2-8FAB-59489D168ABB}" type="datetimeFigureOut">
               <a:rPr lang="en-US" smtClean="0"/>
-              <a:t>8/22/16</a:t>
+              <a:t>8/24/16</a:t>
             </a:fld>
             <a:endParaRPr lang="en-US"/>
           </a:p>
@@ -1060,7 +1070,7 @@
           <a:p>
             <a:fld id="{6BFECD78-3C8E-49F2-8FAB-59489D168ABB}" type="datetimeFigureOut">
               <a:rPr lang="en-US" smtClean="0"/>
-              <a:t>8/22/16</a:t>
+              <a:t>8/24/16</a:t>
             </a:fld>
             <a:endParaRPr lang="en-US"/>
           </a:p>
@@ -1348,7 +1358,7 @@
           <a:p>
             <a:fld id="{6BFECD78-3C8E-49F2-8FAB-59489D168ABB}" type="datetimeFigureOut">
               <a:rPr lang="en-US" smtClean="0"/>
-              <a:t>8/22/16</a:t>
+              <a:t>8/24/16</a:t>
             </a:fld>
             <a:endParaRPr lang="en-US"/>
           </a:p>
@@ -1770,7 +1780,7 @@
           <a:p>
             <a:fld id="{6BFECD78-3C8E-49F2-8FAB-59489D168ABB}" type="datetimeFigureOut">
               <a:rPr lang="en-US" smtClean="0"/>
-              <a:t>8/22/16</a:t>
+              <a:t>8/24/16</a:t>
             </a:fld>
             <a:endParaRPr lang="en-US"/>
           </a:p>
@@ -1888,7 +1898,7 @@
           <a:p>
             <a:fld id="{6BFECD78-3C8E-49F2-8FAB-59489D168ABB}" type="datetimeFigureOut">
               <a:rPr lang="en-US" smtClean="0"/>
-              <a:t>8/22/16</a:t>
+              <a:t>8/24/16</a:t>
             </a:fld>
             <a:endParaRPr lang="en-US"/>
           </a:p>
@@ -1983,7 +1993,7 @@
           <a:p>
             <a:fld id="{6BFECD78-3C8E-49F2-8FAB-59489D168ABB}" type="datetimeFigureOut">
               <a:rPr lang="en-US" smtClean="0"/>
-              <a:t>8/22/16</a:t>
+              <a:t>8/24/16</a:t>
             </a:fld>
             <a:endParaRPr lang="en-US"/>
           </a:p>
@@ -2260,7 +2270,7 @@
           <a:p>
             <a:fld id="{6BFECD78-3C8E-49F2-8FAB-59489D168ABB}" type="datetimeFigureOut">
               <a:rPr lang="en-US" smtClean="0"/>
-              <a:t>8/22/16</a:t>
+              <a:t>8/24/16</a:t>
             </a:fld>
             <a:endParaRPr lang="en-US"/>
           </a:p>
@@ -2517,7 +2527,7 @@
           <a:p>
             <a:fld id="{6BFECD78-3C8E-49F2-8FAB-59489D168ABB}" type="datetimeFigureOut">
               <a:rPr lang="en-US" smtClean="0"/>
-              <a:t>8/22/16</a:t>
+              <a:t>8/24/16</a:t>
             </a:fld>
             <a:endParaRPr lang="en-US"/>
           </a:p>
@@ -2730,7 +2740,7 @@
           <a:p>
             <a:fld id="{6BFECD78-3C8E-49F2-8FAB-59489D168ABB}" type="datetimeFigureOut">
               <a:rPr lang="en-US" smtClean="0"/>
-              <a:t>8/22/16</a:t>
+              <a:t>8/24/16</a:t>
             </a:fld>
             <a:endParaRPr lang="en-US"/>
           </a:p>
@@ -3187,6 +3197,1885 @@
 </p:sld>
 </file>
 
+<file path=ppt/slides/slide10.xml><?xml version="1.0" encoding="utf-8"?>
+<p:sld xmlns:a="http://schemas.openxmlformats.org/drawingml/2006/main" xmlns:r="http://schemas.openxmlformats.org/officeDocument/2006/relationships" xmlns:p="http://schemas.openxmlformats.org/presentationml/2006/main">
+  <p:cSld>
+    <p:spTree>
+      <p:nvGrpSpPr>
+        <p:cNvPr id="1" name=""/>
+        <p:cNvGrpSpPr/>
+        <p:nvPr/>
+      </p:nvGrpSpPr>
+      <p:grpSpPr>
+        <a:xfrm>
+          <a:off x="0" y="0"/>
+          <a:ext cx="0" cy="0"/>
+          <a:chOff x="0" y="0"/>
+          <a:chExt cx="0" cy="0"/>
+        </a:xfrm>
+      </p:grpSpPr>
+      <p:sp>
+        <p:nvSpPr>
+          <p:cNvPr id="2" name="Title 1"/>
+          <p:cNvSpPr>
+            <a:spLocks noGrp="1"/>
+          </p:cNvSpPr>
+          <p:nvPr>
+            <p:ph type="ctrTitle"/>
+          </p:nvPr>
+        </p:nvSpPr>
+        <p:spPr>
+          <a:xfrm>
+            <a:off x="685800" y="160685"/>
+            <a:ext cx="7772400" cy="1470025"/>
+          </a:xfrm>
+        </p:spPr>
+        <p:txBody>
+          <a:bodyPr/>
+          <a:lstStyle/>
+          <a:p>
+            <a:r>
+              <a:rPr lang="en-US" dirty="0" smtClean="0"/>
+              <a:t>Backbone Views</a:t>
+            </a:r>
+            <a:endParaRPr lang="en-US" dirty="0"/>
+          </a:p>
+        </p:txBody>
+      </p:sp>
+      <p:sp>
+        <p:nvSpPr>
+          <p:cNvPr id="3" name="Subtitle 2"/>
+          <p:cNvSpPr>
+            <a:spLocks noGrp="1"/>
+          </p:cNvSpPr>
+          <p:nvPr>
+            <p:ph type="subTitle" idx="1"/>
+          </p:nvPr>
+        </p:nvSpPr>
+        <p:spPr>
+          <a:xfrm>
+            <a:off x="454651" y="1630710"/>
+            <a:ext cx="8371875" cy="4609893"/>
+          </a:xfrm>
+        </p:spPr>
+        <p:txBody>
+          <a:bodyPr>
+            <a:normAutofit/>
+          </a:bodyPr>
+          <a:lstStyle/>
+          <a:p>
+            <a:pPr marL="342900" indent="-342900" algn="l">
+              <a:buFont typeface="Arial"/>
+              <a:buChar char="•"/>
+            </a:pPr>
+            <a:r>
+              <a:rPr lang="en-US" sz="2000" dirty="0" smtClean="0"/>
+              <a:t>Views listen to events and render templates</a:t>
+            </a:r>
+          </a:p>
+          <a:p>
+            <a:pPr marL="342900" indent="-342900" algn="l">
+              <a:buFont typeface="Arial"/>
+              <a:buChar char="•"/>
+            </a:pPr>
+            <a:r>
+              <a:rPr lang="en-US" sz="2000" dirty="0" smtClean="0"/>
+              <a:t>Therefore in MVC, they're really more like Controllers</a:t>
+            </a:r>
+          </a:p>
+          <a:p>
+            <a:pPr marL="342900" indent="-342900" algn="l">
+              <a:buFont typeface="Arial"/>
+              <a:buChar char="•"/>
+            </a:pPr>
+            <a:r>
+              <a:rPr lang="en-US" sz="2000" dirty="0" smtClean="0"/>
+              <a:t>Follow the same .extend() and "new" pattern as Models</a:t>
+            </a:r>
+          </a:p>
+          <a:p>
+            <a:pPr marL="342900" indent="-342900" algn="l">
+              <a:buFont typeface="Arial"/>
+              <a:buChar char="•"/>
+            </a:pPr>
+            <a:r>
+              <a:rPr lang="en-US" sz="2000" dirty="0" smtClean="0"/>
+              <a:t>View binds to a DOM element at creation</a:t>
+            </a:r>
+          </a:p>
+          <a:p>
+            <a:pPr marL="800100" lvl="1" indent="-342900" algn="l">
+              <a:buFont typeface="Arial"/>
+              <a:buChar char="•"/>
+            </a:pPr>
+            <a:r>
+              <a:rPr lang="en-US" sz="1600" dirty="0" smtClean="0"/>
+              <a:t>Raw element available via .el</a:t>
+            </a:r>
+          </a:p>
+          <a:p>
+            <a:pPr marL="800100" lvl="1" indent="-342900" algn="l">
+              <a:buFont typeface="Arial"/>
+              <a:buChar char="•"/>
+            </a:pPr>
+            <a:r>
+              <a:rPr lang="en-US" sz="1600" dirty="0" smtClean="0"/>
+              <a:t>Also available wrapped in </a:t>
+            </a:r>
+            <a:r>
+              <a:rPr lang="en-US" sz="1600" dirty="0" err="1" smtClean="0"/>
+              <a:t>jQuery</a:t>
+            </a:r>
+            <a:r>
+              <a:rPr lang="en-US" sz="1600" dirty="0" smtClean="0"/>
+              <a:t> as .$el for convenience</a:t>
+            </a:r>
+          </a:p>
+          <a:p>
+            <a:pPr marL="800100" lvl="1" indent="-342900" algn="l">
+              <a:buFont typeface="Arial"/>
+              <a:buChar char="•"/>
+            </a:pPr>
+            <a:endParaRPr lang="en-US" sz="1600" dirty="0"/>
+          </a:p>
+        </p:txBody>
+      </p:sp>
+    </p:spTree>
+    <p:extLst>
+      <p:ext uri="{BB962C8B-B14F-4D97-AF65-F5344CB8AC3E}">
+        <p14:creationId xmlns:p14="http://schemas.microsoft.com/office/powerpoint/2010/main" val="2657670862"/>
+      </p:ext>
+    </p:extLst>
+  </p:cSld>
+  <p:clrMapOvr>
+    <a:masterClrMapping/>
+  </p:clrMapOvr>
+  <p:timing>
+    <p:tnLst>
+      <p:par>
+        <p:cTn xmlns:p14="http://schemas.microsoft.com/office/powerpoint/2010/main" id="1" dur="indefinite" restart="never" nodeType="tmRoot"/>
+      </p:par>
+    </p:tnLst>
+  </p:timing>
+</p:sld>
+</file>
+
+<file path=ppt/slides/slide11.xml><?xml version="1.0" encoding="utf-8"?>
+<p:sld xmlns:a="http://schemas.openxmlformats.org/drawingml/2006/main" xmlns:r="http://schemas.openxmlformats.org/officeDocument/2006/relationships" xmlns:p="http://schemas.openxmlformats.org/presentationml/2006/main">
+  <p:cSld>
+    <p:spTree>
+      <p:nvGrpSpPr>
+        <p:cNvPr id="1" name=""/>
+        <p:cNvGrpSpPr/>
+        <p:nvPr/>
+      </p:nvGrpSpPr>
+      <p:grpSpPr>
+        <a:xfrm>
+          <a:off x="0" y="0"/>
+          <a:ext cx="0" cy="0"/>
+          <a:chOff x="0" y="0"/>
+          <a:chExt cx="0" cy="0"/>
+        </a:xfrm>
+      </p:grpSpPr>
+      <p:sp>
+        <p:nvSpPr>
+          <p:cNvPr id="2" name="Title 1"/>
+          <p:cNvSpPr>
+            <a:spLocks noGrp="1"/>
+          </p:cNvSpPr>
+          <p:nvPr>
+            <p:ph type="ctrTitle"/>
+          </p:nvPr>
+        </p:nvSpPr>
+        <p:spPr>
+          <a:xfrm>
+            <a:off x="685800" y="160685"/>
+            <a:ext cx="7772400" cy="1470025"/>
+          </a:xfrm>
+        </p:spPr>
+        <p:txBody>
+          <a:bodyPr/>
+          <a:lstStyle/>
+          <a:p>
+            <a:r>
+              <a:rPr lang="en-US" dirty="0" smtClean="0"/>
+              <a:t>Backbone Views</a:t>
+            </a:r>
+            <a:endParaRPr lang="en-US" dirty="0"/>
+          </a:p>
+        </p:txBody>
+      </p:sp>
+      <p:sp>
+        <p:nvSpPr>
+          <p:cNvPr id="3" name="Subtitle 2"/>
+          <p:cNvSpPr>
+            <a:spLocks noGrp="1"/>
+          </p:cNvSpPr>
+          <p:nvPr>
+            <p:ph type="subTitle" idx="1"/>
+          </p:nvPr>
+        </p:nvSpPr>
+        <p:spPr>
+          <a:xfrm>
+            <a:off x="454651" y="1630710"/>
+            <a:ext cx="8371875" cy="4609893"/>
+          </a:xfrm>
+        </p:spPr>
+        <p:txBody>
+          <a:bodyPr>
+            <a:normAutofit lnSpcReduction="10000"/>
+          </a:bodyPr>
+          <a:lstStyle/>
+          <a:p>
+            <a:pPr algn="l"/>
+            <a:r>
+              <a:rPr lang="en-US" sz="2000" dirty="0" err="1" smtClean="0"/>
+              <a:t>var</a:t>
+            </a:r>
+            <a:r>
+              <a:rPr lang="en-US" sz="2000" dirty="0" smtClean="0"/>
+              <a:t> </a:t>
+            </a:r>
+            <a:r>
+              <a:rPr lang="en-US" sz="2000" dirty="0" err="1"/>
+              <a:t>DocumentRow</a:t>
+            </a:r>
+            <a:r>
+              <a:rPr lang="en-US" sz="2000" dirty="0"/>
+              <a:t> = </a:t>
+            </a:r>
+            <a:r>
+              <a:rPr lang="en-US" sz="2000" dirty="0" err="1"/>
+              <a:t>Backbone.View.extend</a:t>
+            </a:r>
+            <a:r>
+              <a:rPr lang="en-US" sz="2000" dirty="0"/>
+              <a:t>(</a:t>
+            </a:r>
+            <a:r>
+              <a:rPr lang="en-US" sz="2000" dirty="0" smtClean="0"/>
+              <a:t>{</a:t>
+            </a:r>
+            <a:endParaRPr lang="en-US" sz="2000" dirty="0"/>
+          </a:p>
+          <a:p>
+            <a:pPr algn="l"/>
+            <a:r>
+              <a:rPr lang="en-US" sz="2000" dirty="0"/>
+              <a:t>  </a:t>
+            </a:r>
+            <a:r>
+              <a:rPr lang="en-US" sz="2000" dirty="0" err="1"/>
+              <a:t>tagName</a:t>
+            </a:r>
+            <a:r>
+              <a:rPr lang="en-US" sz="2000" dirty="0"/>
+              <a:t>: "li"</a:t>
+            </a:r>
+            <a:r>
+              <a:rPr lang="en-US" sz="2000" dirty="0" smtClean="0"/>
+              <a:t>,</a:t>
+            </a:r>
+            <a:endParaRPr lang="en-US" sz="2000" dirty="0"/>
+          </a:p>
+          <a:p>
+            <a:pPr algn="l"/>
+            <a:r>
+              <a:rPr lang="en-US" sz="2000" dirty="0"/>
+              <a:t>  </a:t>
+            </a:r>
+            <a:r>
+              <a:rPr lang="en-US" sz="2000" dirty="0" err="1"/>
+              <a:t>className</a:t>
+            </a:r>
+            <a:r>
+              <a:rPr lang="en-US" sz="2000" dirty="0"/>
+              <a:t>: "document-row"</a:t>
+            </a:r>
+            <a:r>
+              <a:rPr lang="en-US" sz="2000" dirty="0" smtClean="0"/>
+              <a:t>,</a:t>
+            </a:r>
+            <a:endParaRPr lang="en-US" sz="2000" dirty="0"/>
+          </a:p>
+          <a:p>
+            <a:pPr algn="l"/>
+            <a:r>
+              <a:rPr lang="en-US" sz="2000" dirty="0"/>
+              <a:t>  events: {</a:t>
+            </a:r>
+          </a:p>
+          <a:p>
+            <a:pPr algn="l"/>
+            <a:r>
+              <a:rPr lang="en-US" sz="2000" dirty="0"/>
+              <a:t>    "click .icon":  </a:t>
+            </a:r>
+            <a:r>
+              <a:rPr lang="en-US" sz="2000" dirty="0" smtClean="0"/>
+              <a:t>"</a:t>
+            </a:r>
+            <a:r>
+              <a:rPr lang="en-US" sz="2000" dirty="0"/>
+              <a:t>open</a:t>
+            </a:r>
+            <a:r>
+              <a:rPr lang="en-US" sz="2000" dirty="0" smtClean="0"/>
+              <a:t>"</a:t>
+            </a:r>
+          </a:p>
+          <a:p>
+            <a:pPr algn="l"/>
+            <a:r>
+              <a:rPr lang="en-US" sz="2000" dirty="0"/>
+              <a:t> </a:t>
+            </a:r>
+            <a:r>
+              <a:rPr lang="en-US" sz="2000" dirty="0" smtClean="0"/>
+              <a:t> },</a:t>
+            </a:r>
+          </a:p>
+          <a:p>
+            <a:pPr algn="l"/>
+            <a:r>
+              <a:rPr lang="en-US" sz="2000" dirty="0"/>
+              <a:t> open: </a:t>
+            </a:r>
+            <a:r>
+              <a:rPr lang="en-US" sz="2000" dirty="0" smtClean="0"/>
+              <a:t>function () { … },</a:t>
+            </a:r>
+            <a:endParaRPr lang="en-US" sz="2000" dirty="0"/>
+          </a:p>
+          <a:p>
+            <a:pPr algn="l"/>
+            <a:r>
+              <a:rPr lang="en-US" sz="2000" dirty="0"/>
+              <a:t>  initialize: </a:t>
+            </a:r>
+            <a:r>
+              <a:rPr lang="en-US" sz="2000" dirty="0" smtClean="0"/>
+              <a:t>function (</a:t>
+            </a:r>
+            <a:r>
+              <a:rPr lang="en-US" sz="2000" dirty="0"/>
+              <a:t>) {</a:t>
+            </a:r>
+          </a:p>
+          <a:p>
+            <a:pPr algn="l"/>
+            <a:r>
+              <a:rPr lang="en-US" sz="2000" dirty="0"/>
+              <a:t>    </a:t>
+            </a:r>
+            <a:r>
+              <a:rPr lang="en-US" sz="2000" dirty="0" err="1"/>
+              <a:t>this.listenTo</a:t>
+            </a:r>
+            <a:r>
+              <a:rPr lang="en-US" sz="2000" dirty="0"/>
+              <a:t>(</a:t>
+            </a:r>
+            <a:r>
+              <a:rPr lang="en-US" sz="2000" dirty="0" err="1"/>
+              <a:t>this.model</a:t>
+            </a:r>
+            <a:r>
+              <a:rPr lang="en-US" sz="2000" dirty="0"/>
+              <a:t>, "change", </a:t>
+            </a:r>
+            <a:r>
+              <a:rPr lang="en-US" sz="2000" dirty="0" err="1"/>
+              <a:t>this.render</a:t>
+            </a:r>
+            <a:r>
+              <a:rPr lang="en-US" sz="2000" dirty="0"/>
+              <a:t>);</a:t>
+            </a:r>
+          </a:p>
+          <a:p>
+            <a:pPr algn="l"/>
+            <a:r>
+              <a:rPr lang="en-US" sz="2000" dirty="0"/>
+              <a:t>  }</a:t>
+            </a:r>
+            <a:r>
+              <a:rPr lang="en-US" sz="2000" dirty="0" smtClean="0"/>
+              <a:t>,</a:t>
+            </a:r>
+          </a:p>
+          <a:p>
+            <a:pPr algn="l"/>
+            <a:r>
+              <a:rPr lang="en-US" sz="2000" dirty="0"/>
+              <a:t> </a:t>
+            </a:r>
+            <a:r>
+              <a:rPr lang="en-US" sz="2000" dirty="0" smtClean="0"/>
+              <a:t> template</a:t>
+            </a:r>
+            <a:r>
+              <a:rPr lang="en-US" sz="2000" dirty="0"/>
+              <a:t>: function () </a:t>
+            </a:r>
+            <a:r>
+              <a:rPr lang="en-US" sz="2000" dirty="0" smtClean="0"/>
+              <a:t>{ </a:t>
+            </a:r>
+            <a:r>
+              <a:rPr lang="en-US" sz="2000" dirty="0" err="1" smtClean="0"/>
+              <a:t>Handlebars.compile</a:t>
+            </a:r>
+            <a:r>
+              <a:rPr lang="en-US" sz="2000" dirty="0"/>
+              <a:t>( $("</a:t>
+            </a:r>
+            <a:r>
+              <a:rPr lang="en-US" sz="2000" dirty="0" smtClean="0"/>
+              <a:t>#</a:t>
+            </a:r>
+            <a:r>
+              <a:rPr lang="en-US" sz="2000" dirty="0" err="1" smtClean="0"/>
+              <a:t>dr</a:t>
+            </a:r>
+            <a:r>
+              <a:rPr lang="en-US" sz="2000" dirty="0" smtClean="0"/>
+              <a:t>-template</a:t>
+            </a:r>
+            <a:r>
+              <a:rPr lang="en-US" sz="2000" dirty="0"/>
+              <a:t>").html() )</a:t>
+            </a:r>
+            <a:r>
+              <a:rPr lang="en-US" sz="2000" dirty="0" smtClean="0"/>
+              <a:t>; }</a:t>
+            </a:r>
+            <a:endParaRPr lang="en-US" sz="2000" dirty="0"/>
+          </a:p>
+          <a:p>
+            <a:pPr algn="l"/>
+            <a:r>
+              <a:rPr lang="en-US" sz="2000" dirty="0"/>
+              <a:t>  render: </a:t>
+            </a:r>
+            <a:r>
+              <a:rPr lang="en-US" sz="2000" dirty="0" smtClean="0"/>
+              <a:t>function (</a:t>
+            </a:r>
+            <a:r>
+              <a:rPr lang="en-US" sz="2000" dirty="0"/>
+              <a:t>) </a:t>
+            </a:r>
+            <a:r>
+              <a:rPr lang="en-US" sz="2000" dirty="0" smtClean="0"/>
+              <a:t>{  this.$</a:t>
+            </a:r>
+            <a:r>
+              <a:rPr lang="en-US" sz="2000" dirty="0" err="1" smtClean="0"/>
+              <a:t>el.html</a:t>
+            </a:r>
+            <a:r>
+              <a:rPr lang="en-US" sz="2000" dirty="0" smtClean="0"/>
+              <a:t>( </a:t>
+            </a:r>
+            <a:r>
+              <a:rPr lang="en-US" sz="2000" dirty="0" err="1" smtClean="0"/>
+              <a:t>this.template</a:t>
+            </a:r>
+            <a:r>
+              <a:rPr lang="en-US" sz="2000" dirty="0" smtClean="0"/>
+              <a:t>(); ) }</a:t>
+            </a:r>
+            <a:endParaRPr lang="en-US" sz="2000" dirty="0"/>
+          </a:p>
+          <a:p>
+            <a:pPr algn="l"/>
+            <a:r>
+              <a:rPr lang="en-US" sz="2000" dirty="0" smtClean="0"/>
+              <a:t>}</a:t>
+            </a:r>
+            <a:r>
+              <a:rPr lang="en-US" sz="2000" dirty="0"/>
+              <a:t>);</a:t>
+            </a:r>
+            <a:endParaRPr lang="en-US" sz="2000" dirty="0" smtClean="0"/>
+          </a:p>
+        </p:txBody>
+      </p:sp>
+    </p:spTree>
+    <p:extLst>
+      <p:ext uri="{BB962C8B-B14F-4D97-AF65-F5344CB8AC3E}">
+        <p14:creationId xmlns:p14="http://schemas.microsoft.com/office/powerpoint/2010/main" val="720201109"/>
+      </p:ext>
+    </p:extLst>
+  </p:cSld>
+  <p:clrMapOvr>
+    <a:masterClrMapping/>
+  </p:clrMapOvr>
+  <p:timing>
+    <p:tnLst>
+      <p:par>
+        <p:cTn xmlns:p14="http://schemas.microsoft.com/office/powerpoint/2010/main" id="1" dur="indefinite" restart="never" nodeType="tmRoot"/>
+      </p:par>
+    </p:tnLst>
+  </p:timing>
+</p:sld>
+</file>
+
+<file path=ppt/slides/slide12.xml><?xml version="1.0" encoding="utf-8"?>
+<p:sld xmlns:a="http://schemas.openxmlformats.org/drawingml/2006/main" xmlns:r="http://schemas.openxmlformats.org/officeDocument/2006/relationships" xmlns:p="http://schemas.openxmlformats.org/presentationml/2006/main">
+  <p:cSld>
+    <p:spTree>
+      <p:nvGrpSpPr>
+        <p:cNvPr id="1" name=""/>
+        <p:cNvGrpSpPr/>
+        <p:nvPr/>
+      </p:nvGrpSpPr>
+      <p:grpSpPr>
+        <a:xfrm>
+          <a:off x="0" y="0"/>
+          <a:ext cx="0" cy="0"/>
+          <a:chOff x="0" y="0"/>
+          <a:chExt cx="0" cy="0"/>
+        </a:xfrm>
+      </p:grpSpPr>
+      <p:sp>
+        <p:nvSpPr>
+          <p:cNvPr id="2" name="Title 1"/>
+          <p:cNvSpPr>
+            <a:spLocks noGrp="1"/>
+          </p:cNvSpPr>
+          <p:nvPr>
+            <p:ph type="ctrTitle"/>
+          </p:nvPr>
+        </p:nvSpPr>
+        <p:spPr>
+          <a:xfrm>
+            <a:off x="685800" y="160685"/>
+            <a:ext cx="7772400" cy="1470025"/>
+          </a:xfrm>
+        </p:spPr>
+        <p:txBody>
+          <a:bodyPr/>
+          <a:lstStyle/>
+          <a:p>
+            <a:r>
+              <a:rPr lang="en-US" dirty="0" smtClean="0"/>
+              <a:t>Lab: Let's start a SPA</a:t>
+            </a:r>
+            <a:endParaRPr lang="en-US" dirty="0"/>
+          </a:p>
+        </p:txBody>
+      </p:sp>
+      <p:sp>
+        <p:nvSpPr>
+          <p:cNvPr id="3" name="Subtitle 2"/>
+          <p:cNvSpPr>
+            <a:spLocks noGrp="1"/>
+          </p:cNvSpPr>
+          <p:nvPr>
+            <p:ph type="subTitle" idx="1"/>
+          </p:nvPr>
+        </p:nvSpPr>
+        <p:spPr>
+          <a:xfrm>
+            <a:off x="454651" y="1630710"/>
+            <a:ext cx="8371875" cy="4609893"/>
+          </a:xfrm>
+        </p:spPr>
+        <p:txBody>
+          <a:bodyPr>
+            <a:normAutofit/>
+          </a:bodyPr>
+          <a:lstStyle/>
+          <a:p>
+            <a:pPr algn="l"/>
+            <a:r>
+              <a:rPr lang="en-US" sz="2000" dirty="0"/>
+              <a:t> - Convert server-side static page to SPA</a:t>
+            </a:r>
+          </a:p>
+          <a:p>
+            <a:pPr algn="l"/>
+            <a:r>
+              <a:rPr lang="en-US" sz="2000" dirty="0"/>
+              <a:t> - Make client-side directory</a:t>
+            </a:r>
+          </a:p>
+          <a:p>
+            <a:pPr algn="l"/>
+            <a:r>
+              <a:rPr lang="en-US" sz="2000" dirty="0"/>
+              <a:t> - Add Backbone models, views</a:t>
+            </a:r>
+          </a:p>
+          <a:p>
+            <a:pPr algn="l"/>
+            <a:r>
+              <a:rPr lang="en-US" sz="2000" dirty="0"/>
+              <a:t> - Set up client side tools (gulp, karma, jasmine, watch)</a:t>
+            </a:r>
+          </a:p>
+          <a:p>
+            <a:pPr algn="l"/>
+            <a:r>
+              <a:rPr lang="en-US" sz="2000" dirty="0"/>
+              <a:t> - Write </a:t>
+            </a:r>
+            <a:r>
+              <a:rPr lang="en-US" sz="2000" dirty="0" smtClean="0"/>
+              <a:t>tests</a:t>
+            </a:r>
+          </a:p>
+          <a:p>
+            <a:pPr algn="l"/>
+            <a:r>
+              <a:rPr lang="en-US" sz="2000" dirty="0"/>
+              <a:t> </a:t>
+            </a:r>
+            <a:r>
+              <a:rPr lang="en-US" sz="2000" dirty="0" smtClean="0"/>
+              <a:t>- 2 hours, then 15 min break</a:t>
+            </a:r>
+          </a:p>
+        </p:txBody>
+      </p:sp>
+    </p:spTree>
+    <p:extLst>
+      <p:ext uri="{BB962C8B-B14F-4D97-AF65-F5344CB8AC3E}">
+        <p14:creationId xmlns:p14="http://schemas.microsoft.com/office/powerpoint/2010/main" val="2079665070"/>
+      </p:ext>
+    </p:extLst>
+  </p:cSld>
+  <p:clrMapOvr>
+    <a:masterClrMapping/>
+  </p:clrMapOvr>
+  <p:timing>
+    <p:tnLst>
+      <p:par>
+        <p:cTn xmlns:p14="http://schemas.microsoft.com/office/powerpoint/2010/main" id="1" dur="indefinite" restart="never" nodeType="tmRoot"/>
+      </p:par>
+    </p:tnLst>
+  </p:timing>
+</p:sld>
+</file>
+
+<file path=ppt/slides/slide13.xml><?xml version="1.0" encoding="utf-8"?>
+<p:sld xmlns:a="http://schemas.openxmlformats.org/drawingml/2006/main" xmlns:r="http://schemas.openxmlformats.org/officeDocument/2006/relationships" xmlns:p="http://schemas.openxmlformats.org/presentationml/2006/main">
+  <p:cSld>
+    <p:spTree>
+      <p:nvGrpSpPr>
+        <p:cNvPr id="1" name=""/>
+        <p:cNvGrpSpPr/>
+        <p:nvPr/>
+      </p:nvGrpSpPr>
+      <p:grpSpPr>
+        <a:xfrm>
+          <a:off x="0" y="0"/>
+          <a:ext cx="0" cy="0"/>
+          <a:chOff x="0" y="0"/>
+          <a:chExt cx="0" cy="0"/>
+        </a:xfrm>
+      </p:grpSpPr>
+      <p:sp>
+        <p:nvSpPr>
+          <p:cNvPr id="2" name="Title 1"/>
+          <p:cNvSpPr>
+            <a:spLocks noGrp="1"/>
+          </p:cNvSpPr>
+          <p:nvPr>
+            <p:ph type="ctrTitle"/>
+          </p:nvPr>
+        </p:nvSpPr>
+        <p:spPr>
+          <a:xfrm>
+            <a:off x="685800" y="160685"/>
+            <a:ext cx="7772400" cy="1470025"/>
+          </a:xfrm>
+        </p:spPr>
+        <p:txBody>
+          <a:bodyPr/>
+          <a:lstStyle/>
+          <a:p>
+            <a:r>
+              <a:rPr lang="en-US" dirty="0" smtClean="0"/>
+              <a:t>Backbone Collections</a:t>
+            </a:r>
+            <a:endParaRPr lang="en-US" dirty="0"/>
+          </a:p>
+        </p:txBody>
+      </p:sp>
+      <p:sp>
+        <p:nvSpPr>
+          <p:cNvPr id="3" name="Subtitle 2"/>
+          <p:cNvSpPr>
+            <a:spLocks noGrp="1"/>
+          </p:cNvSpPr>
+          <p:nvPr>
+            <p:ph type="subTitle" idx="1"/>
+          </p:nvPr>
+        </p:nvSpPr>
+        <p:spPr>
+          <a:xfrm>
+            <a:off x="454651" y="1630710"/>
+            <a:ext cx="8371875" cy="4609893"/>
+          </a:xfrm>
+        </p:spPr>
+        <p:txBody>
+          <a:bodyPr>
+            <a:normAutofit fontScale="85000" lnSpcReduction="10000"/>
+          </a:bodyPr>
+          <a:lstStyle/>
+          <a:p>
+            <a:pPr marL="342900" indent="-342900" algn="l">
+              <a:buFont typeface="Arial"/>
+              <a:buChar char="•"/>
+            </a:pPr>
+            <a:r>
+              <a:rPr lang="en-US" sz="2000" dirty="0"/>
+              <a:t>Models : Collection :: Database rows : </a:t>
+            </a:r>
+            <a:r>
+              <a:rPr lang="en-US" sz="2000" dirty="0" smtClean="0"/>
+              <a:t>tables</a:t>
+            </a:r>
+          </a:p>
+          <a:p>
+            <a:pPr marL="342900" indent="-342900" algn="l">
+              <a:buFont typeface="Arial"/>
+              <a:buChar char="•"/>
+            </a:pPr>
+            <a:r>
+              <a:rPr lang="en-US" sz="2000" dirty="0" smtClean="0"/>
+              <a:t>Implemented on top of Underscore collections</a:t>
+            </a:r>
+          </a:p>
+          <a:p>
+            <a:pPr marL="342900" indent="-342900" algn="l">
+              <a:buFont typeface="Arial"/>
+              <a:buChar char="•"/>
+            </a:pPr>
+            <a:r>
+              <a:rPr lang="en-US" sz="2000" dirty="0" smtClean="0"/>
+              <a:t>Use Underscore functions to process</a:t>
+            </a:r>
+          </a:p>
+          <a:p>
+            <a:pPr marL="342900" indent="-342900" algn="l">
+              <a:buFont typeface="Arial"/>
+              <a:buChar char="•"/>
+            </a:pPr>
+            <a:endParaRPr lang="en-US" sz="2000" dirty="0"/>
+          </a:p>
+          <a:p>
+            <a:pPr algn="l"/>
+            <a:r>
+              <a:rPr lang="en-US" sz="2000" dirty="0" err="1"/>
+              <a:t>var</a:t>
+            </a:r>
+            <a:r>
+              <a:rPr lang="en-US" sz="2000" dirty="0"/>
+              <a:t> </a:t>
+            </a:r>
+            <a:r>
+              <a:rPr lang="en-US" sz="2000" dirty="0" err="1" smtClean="0"/>
+              <a:t>beatles</a:t>
+            </a:r>
+            <a:r>
+              <a:rPr lang="en-US" sz="2000" dirty="0" smtClean="0"/>
+              <a:t> = </a:t>
+            </a:r>
+            <a:r>
+              <a:rPr lang="en-US" sz="2000" dirty="0"/>
+              <a:t>new </a:t>
+            </a:r>
+            <a:r>
+              <a:rPr lang="en-US" sz="2000" dirty="0" err="1"/>
+              <a:t>Backbone.Collection</a:t>
+            </a:r>
+            <a:r>
+              <a:rPr lang="en-US" sz="2000" dirty="0"/>
+              <a:t>([</a:t>
+            </a:r>
+          </a:p>
+          <a:p>
+            <a:pPr algn="l"/>
+            <a:r>
+              <a:rPr lang="en-US" sz="2000" dirty="0"/>
+              <a:t>  {name: </a:t>
+            </a:r>
+            <a:r>
+              <a:rPr lang="en-US" sz="2000" dirty="0" smtClean="0"/>
+              <a:t>"John"</a:t>
+            </a:r>
+            <a:r>
+              <a:rPr lang="en-US" sz="2000" dirty="0"/>
+              <a:t>, </a:t>
+            </a:r>
+            <a:r>
+              <a:rPr lang="en-US" sz="2000" dirty="0" smtClean="0"/>
+              <a:t>      hands: "Strings"</a:t>
+            </a:r>
+            <a:r>
+              <a:rPr lang="en-US" sz="2000" dirty="0"/>
+              <a:t>},</a:t>
+            </a:r>
+          </a:p>
+          <a:p>
+            <a:pPr algn="l"/>
+            <a:r>
+              <a:rPr lang="en-US" sz="2000" dirty="0"/>
+              <a:t>  {name: </a:t>
+            </a:r>
+            <a:r>
+              <a:rPr lang="en-US" sz="2000" dirty="0" smtClean="0"/>
+              <a:t>"Paul"</a:t>
+            </a:r>
+            <a:r>
+              <a:rPr lang="en-US" sz="2000" dirty="0"/>
+              <a:t>, </a:t>
+            </a:r>
+            <a:r>
+              <a:rPr lang="en-US" sz="2000" dirty="0" smtClean="0"/>
+              <a:t>       hands: "</a:t>
+            </a:r>
+            <a:r>
+              <a:rPr lang="en-US" sz="2000" dirty="0"/>
+              <a:t>Strings</a:t>
+            </a:r>
+            <a:r>
+              <a:rPr lang="en-US" sz="2000" dirty="0" smtClean="0"/>
+              <a:t>"</a:t>
+            </a:r>
+            <a:r>
+              <a:rPr lang="en-US" sz="2000" dirty="0"/>
+              <a:t>},</a:t>
+            </a:r>
+          </a:p>
+          <a:p>
+            <a:pPr algn="l"/>
+            <a:r>
+              <a:rPr lang="en-US" sz="2000" dirty="0"/>
+              <a:t>  {name: </a:t>
+            </a:r>
+            <a:r>
+              <a:rPr lang="en-US" sz="2000" dirty="0" smtClean="0"/>
+              <a:t>"George"</a:t>
+            </a:r>
+            <a:r>
+              <a:rPr lang="en-US" sz="2000" dirty="0"/>
+              <a:t>,  </a:t>
+            </a:r>
+            <a:r>
+              <a:rPr lang="en-US" sz="2000" dirty="0" smtClean="0"/>
+              <a:t>hands: "</a:t>
+            </a:r>
+            <a:r>
+              <a:rPr lang="en-US" sz="2000" dirty="0"/>
+              <a:t>Strings</a:t>
+            </a:r>
+            <a:r>
+              <a:rPr lang="en-US" sz="2000" dirty="0" smtClean="0"/>
+              <a:t>"</a:t>
+            </a:r>
+            <a:r>
+              <a:rPr lang="en-US" sz="2000" dirty="0"/>
+              <a:t>},</a:t>
+            </a:r>
+          </a:p>
+          <a:p>
+            <a:pPr algn="l"/>
+            <a:r>
+              <a:rPr lang="en-US" sz="2000" dirty="0"/>
+              <a:t>  {name: </a:t>
+            </a:r>
+            <a:r>
+              <a:rPr lang="en-US" sz="2000" dirty="0" smtClean="0"/>
+              <a:t>"</a:t>
+            </a:r>
+            <a:r>
+              <a:rPr lang="en-US" sz="2000" dirty="0" err="1" smtClean="0"/>
+              <a:t>Ringo</a:t>
+            </a:r>
+            <a:r>
+              <a:rPr lang="en-US" sz="2000" dirty="0" smtClean="0"/>
+              <a:t>"</a:t>
+            </a:r>
+            <a:r>
+              <a:rPr lang="en-US" sz="2000" dirty="0"/>
+              <a:t>, </a:t>
+            </a:r>
+            <a:r>
+              <a:rPr lang="en-US" sz="2000" dirty="0" smtClean="0"/>
+              <a:t>    hands: "Sticks"</a:t>
+            </a:r>
+            <a:r>
+              <a:rPr lang="en-US" sz="2000" dirty="0"/>
+              <a:t>},</a:t>
+            </a:r>
+          </a:p>
+          <a:p>
+            <a:pPr algn="l"/>
+            <a:r>
+              <a:rPr lang="en-US" sz="2000" dirty="0"/>
+              <a:t>]);</a:t>
+            </a:r>
+          </a:p>
+          <a:p>
+            <a:pPr algn="l"/>
+            <a:endParaRPr lang="en-US" sz="2000" dirty="0" smtClean="0"/>
+          </a:p>
+          <a:p>
+            <a:pPr algn="l"/>
+            <a:r>
+              <a:rPr lang="en-US" sz="2000" dirty="0" smtClean="0"/>
+              <a:t>// returns 2</a:t>
+            </a:r>
+            <a:endParaRPr lang="en-US" sz="2000" dirty="0"/>
+          </a:p>
+          <a:p>
+            <a:pPr algn="l"/>
+            <a:r>
+              <a:rPr lang="en-US" sz="2000" dirty="0" err="1" smtClean="0"/>
+              <a:t>var</a:t>
+            </a:r>
+            <a:r>
+              <a:rPr lang="en-US" sz="2000" dirty="0" smtClean="0"/>
+              <a:t> count = </a:t>
+            </a:r>
+            <a:r>
+              <a:rPr lang="en-US" sz="2000" dirty="0" err="1" smtClean="0"/>
+              <a:t>beatles.where</a:t>
+            </a:r>
+            <a:r>
+              <a:rPr lang="en-US" sz="2000" dirty="0"/>
+              <a:t>(</a:t>
+            </a:r>
+            <a:r>
+              <a:rPr lang="en-US" sz="2000" dirty="0" smtClean="0"/>
+              <a:t>{</a:t>
+            </a:r>
+            <a:r>
+              <a:rPr lang="en-US" sz="2000" dirty="0"/>
+              <a:t>hands</a:t>
+            </a:r>
+            <a:r>
+              <a:rPr lang="en-US" sz="2000" dirty="0" smtClean="0"/>
+              <a:t>: "Strings"</a:t>
+            </a:r>
+            <a:r>
+              <a:rPr lang="en-US" sz="2000" dirty="0"/>
+              <a:t>}</a:t>
+            </a:r>
+            <a:r>
+              <a:rPr lang="en-US" sz="2000" dirty="0" smtClean="0"/>
+              <a:t>)</a:t>
+            </a:r>
+          </a:p>
+          <a:p>
+            <a:pPr algn="l"/>
+            <a:r>
+              <a:rPr lang="en-US" sz="2000" dirty="0"/>
+              <a:t> </a:t>
+            </a:r>
+            <a:r>
+              <a:rPr lang="en-US" sz="2000" dirty="0" smtClean="0"/>
+              <a:t> .pluck("name")</a:t>
+            </a:r>
+          </a:p>
+          <a:p>
+            <a:pPr algn="l"/>
+            <a:r>
+              <a:rPr lang="en-US" sz="2000" dirty="0"/>
+              <a:t> </a:t>
+            </a:r>
+            <a:r>
+              <a:rPr lang="en-US" sz="2000" dirty="0" smtClean="0"/>
+              <a:t> .filter(function (name) { return </a:t>
+            </a:r>
+            <a:r>
+              <a:rPr lang="en-US" sz="2000" dirty="0" err="1" smtClean="0"/>
+              <a:t>name.length</a:t>
+            </a:r>
+            <a:r>
+              <a:rPr lang="en-US" sz="2000" dirty="0" smtClean="0"/>
+              <a:t> === 4 })</a:t>
+            </a:r>
+          </a:p>
+          <a:p>
+            <a:pPr algn="l"/>
+            <a:r>
+              <a:rPr lang="en-US" sz="2000" dirty="0"/>
+              <a:t> </a:t>
+            </a:r>
+            <a:r>
+              <a:rPr lang="en-US" sz="2000" dirty="0" smtClean="0"/>
+              <a:t> .length</a:t>
+            </a:r>
+          </a:p>
+        </p:txBody>
+      </p:sp>
+    </p:spTree>
+    <p:extLst>
+      <p:ext uri="{BB962C8B-B14F-4D97-AF65-F5344CB8AC3E}">
+        <p14:creationId xmlns:p14="http://schemas.microsoft.com/office/powerpoint/2010/main" val="4200027496"/>
+      </p:ext>
+    </p:extLst>
+  </p:cSld>
+  <p:clrMapOvr>
+    <a:masterClrMapping/>
+  </p:clrMapOvr>
+  <p:timing>
+    <p:tnLst>
+      <p:par>
+        <p:cTn xmlns:p14="http://schemas.microsoft.com/office/powerpoint/2010/main" id="1" dur="indefinite" restart="never" nodeType="tmRoot"/>
+      </p:par>
+    </p:tnLst>
+  </p:timing>
+</p:sld>
+</file>
+
+<file path=ppt/slides/slide14.xml><?xml version="1.0" encoding="utf-8"?>
+<p:sld xmlns:a="http://schemas.openxmlformats.org/drawingml/2006/main" xmlns:r="http://schemas.openxmlformats.org/officeDocument/2006/relationships" xmlns:p="http://schemas.openxmlformats.org/presentationml/2006/main">
+  <p:cSld>
+    <p:spTree>
+      <p:nvGrpSpPr>
+        <p:cNvPr id="1" name=""/>
+        <p:cNvGrpSpPr/>
+        <p:nvPr/>
+      </p:nvGrpSpPr>
+      <p:grpSpPr>
+        <a:xfrm>
+          <a:off x="0" y="0"/>
+          <a:ext cx="0" cy="0"/>
+          <a:chOff x="0" y="0"/>
+          <a:chExt cx="0" cy="0"/>
+        </a:xfrm>
+      </p:grpSpPr>
+      <p:sp>
+        <p:nvSpPr>
+          <p:cNvPr id="2" name="Title 1"/>
+          <p:cNvSpPr>
+            <a:spLocks noGrp="1"/>
+          </p:cNvSpPr>
+          <p:nvPr>
+            <p:ph type="ctrTitle"/>
+          </p:nvPr>
+        </p:nvSpPr>
+        <p:spPr>
+          <a:xfrm>
+            <a:off x="685800" y="160685"/>
+            <a:ext cx="7772400" cy="1470025"/>
+          </a:xfrm>
+        </p:spPr>
+        <p:txBody>
+          <a:bodyPr/>
+          <a:lstStyle/>
+          <a:p>
+            <a:r>
+              <a:rPr lang="en-US" dirty="0" smtClean="0"/>
+              <a:t>Backbone Collections</a:t>
+            </a:r>
+            <a:endParaRPr lang="en-US" dirty="0"/>
+          </a:p>
+        </p:txBody>
+      </p:sp>
+      <p:sp>
+        <p:nvSpPr>
+          <p:cNvPr id="3" name="Subtitle 2"/>
+          <p:cNvSpPr>
+            <a:spLocks noGrp="1"/>
+          </p:cNvSpPr>
+          <p:nvPr>
+            <p:ph type="subTitle" idx="1"/>
+          </p:nvPr>
+        </p:nvSpPr>
+        <p:spPr>
+          <a:xfrm>
+            <a:off x="454651" y="1630710"/>
+            <a:ext cx="8371875" cy="4609893"/>
+          </a:xfrm>
+        </p:spPr>
+        <p:txBody>
+          <a:bodyPr>
+            <a:normAutofit/>
+          </a:bodyPr>
+          <a:lstStyle/>
+          <a:p>
+            <a:pPr algn="l"/>
+            <a:r>
+              <a:rPr lang="en-US" sz="2000" dirty="0" smtClean="0"/>
+              <a:t>Collection methods</a:t>
+            </a:r>
+          </a:p>
+          <a:p>
+            <a:pPr marL="342900" indent="-342900" algn="l">
+              <a:buFont typeface="Arial"/>
+              <a:buChar char="•"/>
+            </a:pPr>
+            <a:r>
+              <a:rPr lang="en-US" sz="2000" dirty="0"/>
+              <a:t>.get(id) </a:t>
+            </a:r>
+            <a:r>
+              <a:rPr lang="en-US" sz="2000" dirty="0" smtClean="0"/>
+              <a:t>– returns a model</a:t>
+            </a:r>
+          </a:p>
+          <a:p>
+            <a:pPr marL="342900" indent="-342900" algn="l">
+              <a:buFont typeface="Arial"/>
+              <a:buChar char="•"/>
+            </a:pPr>
+            <a:r>
+              <a:rPr lang="en-US" sz="2000" dirty="0" smtClean="0"/>
+              <a:t>.</a:t>
+            </a:r>
+            <a:r>
+              <a:rPr lang="en-US" sz="2000" dirty="0"/>
+              <a:t>add(models, [options]) </a:t>
+            </a:r>
+            <a:r>
+              <a:rPr lang="en-US" sz="2000" dirty="0" smtClean="0"/>
+              <a:t>– fires "add" event, then "change"</a:t>
+            </a:r>
+          </a:p>
+          <a:p>
+            <a:pPr marL="342900" indent="-342900" algn="l">
+              <a:buFont typeface="Arial"/>
+              <a:buChar char="•"/>
+            </a:pPr>
+            <a:r>
+              <a:rPr lang="en-US" sz="2000" dirty="0" smtClean="0"/>
+              <a:t>.</a:t>
+            </a:r>
+            <a:r>
+              <a:rPr lang="en-US" sz="2000" dirty="0"/>
+              <a:t>remove(models, [options]) </a:t>
+            </a:r>
+            <a:r>
+              <a:rPr lang="en-US" sz="2000" dirty="0" smtClean="0"/>
+              <a:t>– removes, fires event, returns removed</a:t>
+            </a:r>
+          </a:p>
+          <a:p>
+            <a:pPr marL="342900" indent="-342900" algn="l">
+              <a:buFont typeface="Arial"/>
+              <a:buChar char="•"/>
+            </a:pPr>
+            <a:r>
+              <a:rPr lang="en-US" sz="2000" dirty="0"/>
+              <a:t>push/pop/shift/</a:t>
+            </a:r>
+            <a:r>
+              <a:rPr lang="en-US" sz="2000" dirty="0" err="1" smtClean="0"/>
+              <a:t>unshift</a:t>
+            </a:r>
+            <a:endParaRPr lang="en-US" sz="2000" dirty="0" smtClean="0"/>
+          </a:p>
+          <a:p>
+            <a:pPr marL="342900" indent="-342900" algn="l">
+              <a:buFont typeface="Arial"/>
+              <a:buChar char="•"/>
+            </a:pPr>
+            <a:r>
+              <a:rPr lang="en-US" sz="2000" dirty="0"/>
+              <a:t>.create(attributes, [options]) – </a:t>
+            </a:r>
+            <a:r>
+              <a:rPr lang="en-US" sz="2000" dirty="0" smtClean="0"/>
+              <a:t>make new </a:t>
+            </a:r>
+            <a:r>
+              <a:rPr lang="en-US" sz="2000" dirty="0"/>
+              <a:t>model </a:t>
+            </a:r>
+            <a:r>
+              <a:rPr lang="en-US" sz="2000" dirty="0" smtClean="0"/>
+              <a:t>and add</a:t>
+            </a:r>
+            <a:endParaRPr lang="en-US" sz="2000" dirty="0"/>
+          </a:p>
+          <a:p>
+            <a:pPr algn="l"/>
+            <a:endParaRPr lang="en-US" sz="2000" dirty="0"/>
+          </a:p>
+          <a:p>
+            <a:pPr marL="342900" indent="-342900" algn="l">
+              <a:buFont typeface="Arial"/>
+              <a:buChar char="•"/>
+            </a:pPr>
+            <a:endParaRPr lang="en-US" sz="2000" dirty="0" smtClean="0"/>
+          </a:p>
+        </p:txBody>
+      </p:sp>
+    </p:spTree>
+    <p:extLst>
+      <p:ext uri="{BB962C8B-B14F-4D97-AF65-F5344CB8AC3E}">
+        <p14:creationId xmlns:p14="http://schemas.microsoft.com/office/powerpoint/2010/main" val="466436006"/>
+      </p:ext>
+    </p:extLst>
+  </p:cSld>
+  <p:clrMapOvr>
+    <a:masterClrMapping/>
+  </p:clrMapOvr>
+  <p:timing>
+    <p:tnLst>
+      <p:par>
+        <p:cTn xmlns:p14="http://schemas.microsoft.com/office/powerpoint/2010/main" id="1" dur="indefinite" restart="never" nodeType="tmRoot"/>
+      </p:par>
+    </p:tnLst>
+  </p:timing>
+</p:sld>
+</file>
+
+<file path=ppt/slides/slide15.xml><?xml version="1.0" encoding="utf-8"?>
+<p:sld xmlns:a="http://schemas.openxmlformats.org/drawingml/2006/main" xmlns:r="http://schemas.openxmlformats.org/officeDocument/2006/relationships" xmlns:p="http://schemas.openxmlformats.org/presentationml/2006/main">
+  <p:cSld>
+    <p:spTree>
+      <p:nvGrpSpPr>
+        <p:cNvPr id="1" name=""/>
+        <p:cNvGrpSpPr/>
+        <p:nvPr/>
+      </p:nvGrpSpPr>
+      <p:grpSpPr>
+        <a:xfrm>
+          <a:off x="0" y="0"/>
+          <a:ext cx="0" cy="0"/>
+          <a:chOff x="0" y="0"/>
+          <a:chExt cx="0" cy="0"/>
+        </a:xfrm>
+      </p:grpSpPr>
+      <p:sp>
+        <p:nvSpPr>
+          <p:cNvPr id="2" name="Title 1"/>
+          <p:cNvSpPr>
+            <a:spLocks noGrp="1"/>
+          </p:cNvSpPr>
+          <p:nvPr>
+            <p:ph type="ctrTitle"/>
+          </p:nvPr>
+        </p:nvSpPr>
+        <p:spPr>
+          <a:xfrm>
+            <a:off x="685800" y="160685"/>
+            <a:ext cx="7772400" cy="1470025"/>
+          </a:xfrm>
+        </p:spPr>
+        <p:txBody>
+          <a:bodyPr/>
+          <a:lstStyle/>
+          <a:p>
+            <a:r>
+              <a:rPr lang="en-US" dirty="0" smtClean="0"/>
+              <a:t>Backbone Collections</a:t>
+            </a:r>
+            <a:endParaRPr lang="en-US" dirty="0"/>
+          </a:p>
+        </p:txBody>
+      </p:sp>
+      <p:sp>
+        <p:nvSpPr>
+          <p:cNvPr id="3" name="Subtitle 2"/>
+          <p:cNvSpPr>
+            <a:spLocks noGrp="1"/>
+          </p:cNvSpPr>
+          <p:nvPr>
+            <p:ph type="subTitle" idx="1"/>
+          </p:nvPr>
+        </p:nvSpPr>
+        <p:spPr>
+          <a:xfrm>
+            <a:off x="454651" y="1630710"/>
+            <a:ext cx="8371875" cy="4609893"/>
+          </a:xfrm>
+        </p:spPr>
+        <p:txBody>
+          <a:bodyPr>
+            <a:normAutofit/>
+          </a:bodyPr>
+          <a:lstStyle/>
+          <a:p>
+            <a:pPr algn="l"/>
+            <a:r>
+              <a:rPr lang="en-US" sz="2000" dirty="0" smtClean="0"/>
+              <a:t>Lifecycle methods</a:t>
+            </a:r>
+          </a:p>
+          <a:p>
+            <a:pPr marL="342900" indent="-342900" algn="l">
+              <a:buFont typeface="Arial"/>
+              <a:buChar char="•"/>
+            </a:pPr>
+            <a:r>
+              <a:rPr lang="en-US" sz="2000" dirty="0" smtClean="0"/>
+              <a:t>.</a:t>
+            </a:r>
+            <a:r>
+              <a:rPr lang="en-US" sz="2000" dirty="0"/>
+              <a:t>set(models, [options]) </a:t>
+            </a:r>
+            <a:r>
+              <a:rPr lang="en-US" sz="2000" dirty="0" smtClean="0"/>
+              <a:t> - smart merges argument with current </a:t>
+            </a:r>
+          </a:p>
+          <a:p>
+            <a:pPr marL="342900" indent="-342900" algn="l">
+              <a:buFont typeface="Arial"/>
+              <a:buChar char="•"/>
+            </a:pPr>
+            <a:r>
+              <a:rPr lang="en-US" sz="2000" dirty="0" smtClean="0"/>
+              <a:t>.</a:t>
+            </a:r>
+            <a:r>
+              <a:rPr lang="en-US" sz="2000" dirty="0"/>
+              <a:t>reset([models], [options]) </a:t>
+            </a:r>
+            <a:r>
+              <a:rPr lang="en-US" sz="2000" dirty="0" smtClean="0"/>
+              <a:t>– replace current with argument</a:t>
+            </a:r>
+          </a:p>
+          <a:p>
+            <a:pPr marL="342900" indent="-342900" algn="l">
+              <a:buFont typeface="Arial"/>
+              <a:buChar char="•"/>
+            </a:pPr>
+            <a:r>
+              <a:rPr lang="en-US" sz="2000" dirty="0" smtClean="0"/>
+              <a:t>.</a:t>
+            </a:r>
+            <a:r>
+              <a:rPr lang="en-US" sz="2000" dirty="0"/>
+              <a:t>fetch([options]) </a:t>
+            </a:r>
+            <a:r>
+              <a:rPr lang="en-US" sz="2000" dirty="0" smtClean="0"/>
+              <a:t>– server fetch followed by set</a:t>
+            </a:r>
+          </a:p>
+          <a:p>
+            <a:pPr marL="342900" indent="-342900" algn="l">
+              <a:buFont typeface="Arial"/>
+              <a:buChar char="•"/>
+            </a:pPr>
+            <a:r>
+              <a:rPr lang="en-US" sz="2000" dirty="0" smtClean="0"/>
+              <a:t>.</a:t>
+            </a:r>
+            <a:r>
+              <a:rPr lang="en-US" sz="2000" dirty="0"/>
+              <a:t>parse(response, options</a:t>
+            </a:r>
+            <a:r>
+              <a:rPr lang="en-US" sz="2000" dirty="0" smtClean="0"/>
+              <a:t>) – fetch uses internally, override to alter data</a:t>
+            </a:r>
+          </a:p>
+          <a:p>
+            <a:pPr marL="342900" indent="-342900" algn="l">
+              <a:buFont typeface="Arial"/>
+              <a:buChar char="•"/>
+            </a:pPr>
+            <a:r>
+              <a:rPr lang="en-US" sz="2000" dirty="0"/>
+              <a:t>.sync(method, collection, [options]) </a:t>
+            </a:r>
+            <a:r>
+              <a:rPr lang="en-US" sz="2000" dirty="0" smtClean="0"/>
+              <a:t>– persist data to server</a:t>
+            </a:r>
+            <a:endParaRPr lang="en-US" sz="2000" dirty="0"/>
+          </a:p>
+          <a:p>
+            <a:pPr algn="l"/>
+            <a:endParaRPr lang="en-US" sz="2000" dirty="0" smtClean="0"/>
+          </a:p>
+        </p:txBody>
+      </p:sp>
+    </p:spTree>
+    <p:extLst>
+      <p:ext uri="{BB962C8B-B14F-4D97-AF65-F5344CB8AC3E}">
+        <p14:creationId xmlns:p14="http://schemas.microsoft.com/office/powerpoint/2010/main" val="35380602"/>
+      </p:ext>
+    </p:extLst>
+  </p:cSld>
+  <p:clrMapOvr>
+    <a:masterClrMapping/>
+  </p:clrMapOvr>
+  <p:timing>
+    <p:tnLst>
+      <p:par>
+        <p:cTn xmlns:p14="http://schemas.microsoft.com/office/powerpoint/2010/main" id="1" dur="indefinite" restart="never" nodeType="tmRoot"/>
+      </p:par>
+    </p:tnLst>
+  </p:timing>
+</p:sld>
+</file>
+
+<file path=ppt/slides/slide16.xml><?xml version="1.0" encoding="utf-8"?>
+<p:sld xmlns:a="http://schemas.openxmlformats.org/drawingml/2006/main" xmlns:r="http://schemas.openxmlformats.org/officeDocument/2006/relationships" xmlns:p="http://schemas.openxmlformats.org/presentationml/2006/main">
+  <p:cSld>
+    <p:spTree>
+      <p:nvGrpSpPr>
+        <p:cNvPr id="1" name=""/>
+        <p:cNvGrpSpPr/>
+        <p:nvPr/>
+      </p:nvGrpSpPr>
+      <p:grpSpPr>
+        <a:xfrm>
+          <a:off x="0" y="0"/>
+          <a:ext cx="0" cy="0"/>
+          <a:chOff x="0" y="0"/>
+          <a:chExt cx="0" cy="0"/>
+        </a:xfrm>
+      </p:grpSpPr>
+      <p:sp>
+        <p:nvSpPr>
+          <p:cNvPr id="2" name="Title 1"/>
+          <p:cNvSpPr>
+            <a:spLocks noGrp="1"/>
+          </p:cNvSpPr>
+          <p:nvPr>
+            <p:ph type="ctrTitle"/>
+          </p:nvPr>
+        </p:nvSpPr>
+        <p:spPr>
+          <a:xfrm>
+            <a:off x="685800" y="160685"/>
+            <a:ext cx="7772400" cy="1470025"/>
+          </a:xfrm>
+        </p:spPr>
+        <p:txBody>
+          <a:bodyPr/>
+          <a:lstStyle/>
+          <a:p>
+            <a:r>
+              <a:rPr lang="en-US" dirty="0" smtClean="0"/>
+              <a:t>Lab: Backbone Collections</a:t>
+            </a:r>
+            <a:endParaRPr lang="en-US" dirty="0"/>
+          </a:p>
+        </p:txBody>
+      </p:sp>
+      <p:sp>
+        <p:nvSpPr>
+          <p:cNvPr id="3" name="Subtitle 2"/>
+          <p:cNvSpPr>
+            <a:spLocks noGrp="1"/>
+          </p:cNvSpPr>
+          <p:nvPr>
+            <p:ph type="subTitle" idx="1"/>
+          </p:nvPr>
+        </p:nvSpPr>
+        <p:spPr>
+          <a:xfrm>
+            <a:off x="454651" y="1630710"/>
+            <a:ext cx="8371875" cy="4609893"/>
+          </a:xfrm>
+        </p:spPr>
+        <p:txBody>
+          <a:bodyPr>
+            <a:normAutofit/>
+          </a:bodyPr>
+          <a:lstStyle/>
+          <a:p>
+            <a:pPr algn="l"/>
+            <a:r>
+              <a:rPr lang="en-US" sz="2000" dirty="0"/>
+              <a:t> - Change server-side logic to support multiple models</a:t>
+            </a:r>
+          </a:p>
+          <a:p>
+            <a:pPr algn="l"/>
+            <a:r>
+              <a:rPr lang="en-US" sz="2000" dirty="0"/>
+              <a:t> - Modify existing tests as necessary; add new</a:t>
+            </a:r>
+          </a:p>
+          <a:p>
+            <a:pPr algn="l"/>
+            <a:r>
+              <a:rPr lang="en-US" sz="2000" dirty="0"/>
+              <a:t> - Add client-side Collections</a:t>
+            </a:r>
+          </a:p>
+          <a:p>
+            <a:pPr algn="l"/>
+            <a:r>
+              <a:rPr lang="en-US" sz="2000" dirty="0"/>
+              <a:t> - Add/modify </a:t>
+            </a:r>
+            <a:r>
+              <a:rPr lang="en-US" sz="2000" dirty="0" smtClean="0"/>
+              <a:t>tests</a:t>
+            </a:r>
+          </a:p>
+          <a:p>
+            <a:pPr algn="l"/>
+            <a:r>
+              <a:rPr lang="en-US" sz="2000" dirty="0"/>
+              <a:t> </a:t>
+            </a:r>
+            <a:r>
+              <a:rPr lang="en-US" sz="2000" dirty="0" smtClean="0"/>
+              <a:t>- 60 </a:t>
+            </a:r>
+            <a:r>
+              <a:rPr lang="en-US" sz="2000" dirty="0" err="1" smtClean="0"/>
+              <a:t>mins</a:t>
+            </a:r>
+            <a:r>
+              <a:rPr lang="en-US" sz="2000" dirty="0" smtClean="0"/>
+              <a:t>, then 10 min break</a:t>
+            </a:r>
+          </a:p>
+        </p:txBody>
+      </p:sp>
+    </p:spTree>
+    <p:extLst>
+      <p:ext uri="{BB962C8B-B14F-4D97-AF65-F5344CB8AC3E}">
+        <p14:creationId xmlns:p14="http://schemas.microsoft.com/office/powerpoint/2010/main" val="3523914633"/>
+      </p:ext>
+    </p:extLst>
+  </p:cSld>
+  <p:clrMapOvr>
+    <a:masterClrMapping/>
+  </p:clrMapOvr>
+  <p:timing>
+    <p:tnLst>
+      <p:par>
+        <p:cTn xmlns:p14="http://schemas.microsoft.com/office/powerpoint/2010/main" id="1" dur="indefinite" restart="never" nodeType="tmRoot"/>
+      </p:par>
+    </p:tnLst>
+  </p:timing>
+</p:sld>
+</file>
+
+<file path=ppt/slides/slide17.xml><?xml version="1.0" encoding="utf-8"?>
+<p:sld xmlns:a="http://schemas.openxmlformats.org/drawingml/2006/main" xmlns:r="http://schemas.openxmlformats.org/officeDocument/2006/relationships" xmlns:p="http://schemas.openxmlformats.org/presentationml/2006/main">
+  <p:cSld>
+    <p:spTree>
+      <p:nvGrpSpPr>
+        <p:cNvPr id="1" name=""/>
+        <p:cNvGrpSpPr/>
+        <p:nvPr/>
+      </p:nvGrpSpPr>
+      <p:grpSpPr>
+        <a:xfrm>
+          <a:off x="0" y="0"/>
+          <a:ext cx="0" cy="0"/>
+          <a:chOff x="0" y="0"/>
+          <a:chExt cx="0" cy="0"/>
+        </a:xfrm>
+      </p:grpSpPr>
+      <p:sp>
+        <p:nvSpPr>
+          <p:cNvPr id="2" name="Title 1"/>
+          <p:cNvSpPr>
+            <a:spLocks noGrp="1"/>
+          </p:cNvSpPr>
+          <p:nvPr>
+            <p:ph type="ctrTitle"/>
+          </p:nvPr>
+        </p:nvSpPr>
+        <p:spPr>
+          <a:xfrm>
+            <a:off x="685800" y="160685"/>
+            <a:ext cx="7772400" cy="1470025"/>
+          </a:xfrm>
+        </p:spPr>
+        <p:txBody>
+          <a:bodyPr/>
+          <a:lstStyle/>
+          <a:p>
+            <a:r>
+              <a:rPr lang="en-US" dirty="0" smtClean="0"/>
+              <a:t>Lab: Backbone Routing</a:t>
+            </a:r>
+            <a:endParaRPr lang="en-US" dirty="0"/>
+          </a:p>
+        </p:txBody>
+      </p:sp>
+      <p:sp>
+        <p:nvSpPr>
+          <p:cNvPr id="3" name="Subtitle 2"/>
+          <p:cNvSpPr>
+            <a:spLocks noGrp="1"/>
+          </p:cNvSpPr>
+          <p:nvPr>
+            <p:ph type="subTitle" idx="1"/>
+          </p:nvPr>
+        </p:nvSpPr>
+        <p:spPr>
+          <a:xfrm>
+            <a:off x="454651" y="1630710"/>
+            <a:ext cx="8371875" cy="4609893"/>
+          </a:xfrm>
+        </p:spPr>
+        <p:txBody>
+          <a:bodyPr>
+            <a:normAutofit/>
+          </a:bodyPr>
+          <a:lstStyle/>
+          <a:p>
+            <a:pPr marL="342900" indent="-342900" algn="l">
+              <a:buFont typeface="Arial"/>
+              <a:buChar char="•"/>
+            </a:pPr>
+            <a:r>
+              <a:rPr lang="en-US" sz="2000" dirty="0" smtClean="0"/>
+              <a:t>Like server-side routing </a:t>
+            </a:r>
+          </a:p>
+          <a:p>
+            <a:pPr marL="342900" indent="-342900" algn="l">
+              <a:buFont typeface="Arial"/>
+              <a:buChar char="•"/>
+            </a:pPr>
+            <a:r>
+              <a:rPr lang="en-US" sz="2000" dirty="0" smtClean="0"/>
+              <a:t>But acts on hash fragment or History API</a:t>
+            </a:r>
+          </a:p>
+          <a:p>
+            <a:pPr marL="342900" indent="-342900" algn="l">
+              <a:buFont typeface="Arial"/>
+              <a:buChar char="•"/>
+            </a:pPr>
+            <a:r>
+              <a:rPr lang="en-US" sz="2000" dirty="0" smtClean="0"/>
+              <a:t>Once page has loaded, call </a:t>
+            </a:r>
+            <a:r>
+              <a:rPr lang="en-US" sz="2000" dirty="0" err="1" smtClean="0"/>
+              <a:t>Backbone.history.start</a:t>
+            </a:r>
+            <a:r>
+              <a:rPr lang="en-US" sz="2000" dirty="0"/>
+              <a:t>(</a:t>
+            </a:r>
+            <a:r>
+              <a:rPr lang="en-US" sz="2000" dirty="0" smtClean="0"/>
+              <a:t>)</a:t>
+            </a:r>
+          </a:p>
+          <a:p>
+            <a:pPr marL="342900" indent="-342900" algn="l">
+              <a:buFont typeface="Arial"/>
+              <a:buChar char="•"/>
+            </a:pPr>
+            <a:r>
+              <a:rPr lang="en-US" sz="2000" dirty="0" smtClean="0"/>
+              <a:t>Mark significant </a:t>
+            </a:r>
+            <a:r>
+              <a:rPr lang="en-US" sz="2000" dirty="0"/>
+              <a:t>actions with .navigate(fragment, [options]) </a:t>
+            </a:r>
+            <a:endParaRPr lang="en-US" sz="2000" dirty="0" smtClean="0"/>
+          </a:p>
+          <a:p>
+            <a:pPr marL="800100" lvl="1" indent="-342900" algn="l">
+              <a:buFont typeface="Arial"/>
+              <a:buChar char="•"/>
+            </a:pPr>
+            <a:r>
+              <a:rPr lang="en-US" sz="1600" dirty="0" smtClean="0"/>
+              <a:t>:</a:t>
+            </a:r>
+            <a:r>
+              <a:rPr lang="en-US" sz="1600" dirty="0" err="1" smtClean="0"/>
+              <a:t>params</a:t>
+            </a:r>
+            <a:r>
+              <a:rPr lang="en-US" sz="1600" dirty="0" smtClean="0"/>
+              <a:t> for one section</a:t>
+            </a:r>
+          </a:p>
+          <a:p>
+            <a:pPr marL="800100" lvl="1" indent="-342900" algn="l">
+              <a:buFont typeface="Arial"/>
+              <a:buChar char="•"/>
+            </a:pPr>
+            <a:r>
+              <a:rPr lang="en-US" sz="1600" dirty="0" smtClean="0"/>
+              <a:t>*splats for multiple</a:t>
+            </a:r>
+          </a:p>
+          <a:p>
+            <a:pPr marL="800100" lvl="1" indent="-342900" algn="l">
+              <a:buFont typeface="Arial"/>
+              <a:buChar char="•"/>
+            </a:pPr>
+            <a:r>
+              <a:rPr lang="en-US" sz="1600" dirty="0" smtClean="0"/>
+              <a:t>Nest with parentheses</a:t>
+            </a:r>
+          </a:p>
+          <a:p>
+            <a:pPr marL="800100" lvl="1" indent="-342900" algn="l">
+              <a:buFont typeface="Arial"/>
+              <a:buChar char="•"/>
+            </a:pPr>
+            <a:r>
+              <a:rPr lang="en-US" sz="1600" dirty="0" smtClean="0"/>
+              <a:t>Note slashes count as unique URLs</a:t>
+            </a:r>
+          </a:p>
+          <a:p>
+            <a:pPr marL="342900" indent="-342900" algn="l">
+              <a:buFont typeface="Arial"/>
+              <a:buChar char="•"/>
+            </a:pPr>
+            <a:endParaRPr lang="en-US" sz="2000" dirty="0"/>
+          </a:p>
+          <a:p>
+            <a:pPr algn="l"/>
+            <a:r>
+              <a:rPr lang="en-US" sz="2000" dirty="0" err="1"/>
+              <a:t>var</a:t>
+            </a:r>
+            <a:r>
+              <a:rPr lang="en-US" sz="2000" dirty="0"/>
+              <a:t> Workspace = </a:t>
+            </a:r>
+            <a:r>
+              <a:rPr lang="en-US" sz="2000" dirty="0" err="1"/>
+              <a:t>Backbone.Router.extend</a:t>
+            </a:r>
+            <a:r>
+              <a:rPr lang="en-US" sz="2000" dirty="0"/>
+              <a:t>(</a:t>
+            </a:r>
+            <a:r>
+              <a:rPr lang="en-US" sz="2000" dirty="0" smtClean="0"/>
+              <a:t>{</a:t>
+            </a:r>
+            <a:endParaRPr lang="en-US" sz="2000" dirty="0"/>
+          </a:p>
+          <a:p>
+            <a:pPr algn="l"/>
+            <a:r>
+              <a:rPr lang="en-US" sz="2000" dirty="0"/>
+              <a:t>  routes: {</a:t>
+            </a:r>
+          </a:p>
+          <a:p>
+            <a:pPr algn="l"/>
+            <a:r>
+              <a:rPr lang="en-US" sz="2000" dirty="0"/>
+              <a:t>    "</a:t>
+            </a:r>
+            <a:r>
+              <a:rPr lang="en-US" sz="2000" dirty="0" smtClean="0"/>
+              <a:t>help/:subject(/:</a:t>
+            </a:r>
+            <a:r>
+              <a:rPr lang="en-US" sz="2000" dirty="0" err="1" smtClean="0"/>
+              <a:t>pagenumber</a:t>
+            </a:r>
+            <a:r>
+              <a:rPr lang="en-US" sz="2000" dirty="0" smtClean="0"/>
+              <a:t>)"</a:t>
+            </a:r>
+            <a:r>
+              <a:rPr lang="en-US" sz="2000" dirty="0"/>
+              <a:t>: </a:t>
+            </a:r>
+            <a:r>
+              <a:rPr lang="en-US" sz="2000" dirty="0" smtClean="0"/>
+              <a:t>"help"</a:t>
+            </a:r>
+            <a:r>
+              <a:rPr lang="en-US" sz="2000" dirty="0"/>
+              <a:t>,    // </a:t>
+            </a:r>
+            <a:r>
+              <a:rPr lang="en-US" sz="2000" dirty="0" smtClean="0"/>
+              <a:t>.help( subject, [</a:t>
+            </a:r>
+            <a:r>
+              <a:rPr lang="en-US" sz="2000" dirty="0" err="1" smtClean="0"/>
+              <a:t>pagenumber</a:t>
+            </a:r>
+            <a:r>
+              <a:rPr lang="en-US" sz="2000" dirty="0" smtClean="0"/>
+              <a:t>] )</a:t>
+            </a:r>
+            <a:endParaRPr lang="en-US" sz="2000" dirty="0"/>
+          </a:p>
+          <a:p>
+            <a:pPr algn="l"/>
+            <a:r>
+              <a:rPr lang="en-US" sz="2000" dirty="0"/>
+              <a:t>    </a:t>
+            </a:r>
+            <a:r>
+              <a:rPr lang="en-US" sz="2000" dirty="0" smtClean="0"/>
+              <a:t>"</a:t>
+            </a:r>
+            <a:r>
+              <a:rPr lang="en-US" sz="2000" dirty="0" err="1" smtClean="0"/>
+              <a:t>filesearch</a:t>
+            </a:r>
+            <a:r>
+              <a:rPr lang="en-US" sz="2000" dirty="0" smtClean="0"/>
+              <a:t>/*path"</a:t>
+            </a:r>
+            <a:r>
+              <a:rPr lang="en-US" sz="2000" dirty="0"/>
+              <a:t>: </a:t>
+            </a:r>
+            <a:r>
+              <a:rPr lang="en-US" sz="2000" dirty="0" smtClean="0"/>
+              <a:t>"</a:t>
+            </a:r>
+            <a:r>
+              <a:rPr lang="en-US" sz="2000" dirty="0" err="1" smtClean="0"/>
+              <a:t>fsHelper</a:t>
+            </a:r>
+            <a:r>
+              <a:rPr lang="en-US" sz="2000" dirty="0" smtClean="0"/>
+              <a:t>"</a:t>
+            </a:r>
+            <a:r>
+              <a:rPr lang="en-US" sz="2000" dirty="0"/>
+              <a:t>,  // </a:t>
+            </a:r>
+            <a:r>
+              <a:rPr lang="en-US" sz="2000" dirty="0" err="1" smtClean="0"/>
+              <a:t>fsHelper</a:t>
+            </a:r>
+            <a:r>
+              <a:rPr lang="en-US" sz="2000" dirty="0" smtClean="0"/>
+              <a:t> gets passed 'more/than/1/slash/'</a:t>
+            </a:r>
+          </a:p>
+        </p:txBody>
+      </p:sp>
+    </p:spTree>
+    <p:extLst>
+      <p:ext uri="{BB962C8B-B14F-4D97-AF65-F5344CB8AC3E}">
+        <p14:creationId xmlns:p14="http://schemas.microsoft.com/office/powerpoint/2010/main" val="2791365468"/>
+      </p:ext>
+    </p:extLst>
+  </p:cSld>
+  <p:clrMapOvr>
+    <a:masterClrMapping/>
+  </p:clrMapOvr>
+  <p:timing>
+    <p:tnLst>
+      <p:par>
+        <p:cTn xmlns:p14="http://schemas.microsoft.com/office/powerpoint/2010/main" id="1" dur="indefinite" restart="never" nodeType="tmRoot"/>
+      </p:par>
+    </p:tnLst>
+  </p:timing>
+</p:sld>
+</file>
+
 <file path=ppt/slides/slide2.xml><?xml version="1.0" encoding="utf-8"?>
 <p:sld xmlns:a="http://schemas.openxmlformats.org/drawingml/2006/main" xmlns:r="http://schemas.openxmlformats.org/officeDocument/2006/relationships" xmlns:p="http://schemas.openxmlformats.org/presentationml/2006/main">
   <p:cSld>
@@ -3270,9 +5159,114 @@
             </a:pPr>
             <a:r>
               <a:rPr lang="en-US" sz="1600" dirty="0" smtClean="0"/>
-              <a:t>Backbone Collections</a:t>
-            </a:r>
-            <a:endParaRPr lang="en-US" sz="1600" dirty="0" smtClean="0"/>
+              <a:t>Intro to Backbone, Underscore, Models</a:t>
+            </a:r>
+            <a:endParaRPr lang="en-US" sz="1600" dirty="0"/>
+          </a:p>
+          <a:p>
+            <a:pPr marL="342900" indent="-342900" algn="l">
+              <a:buFont typeface="Arial"/>
+              <a:buChar char="•"/>
+            </a:pPr>
+            <a:r>
+              <a:rPr lang="en-US" sz="1600" dirty="0"/>
+              <a:t>Lab: Backbone Models</a:t>
+            </a:r>
+          </a:p>
+          <a:p>
+            <a:pPr marL="342900" indent="-342900" algn="l">
+              <a:buFont typeface="Arial"/>
+              <a:buChar char="•"/>
+            </a:pPr>
+            <a:r>
+              <a:rPr lang="en-US" sz="1600" dirty="0" smtClean="0"/>
+              <a:t>( break )</a:t>
+            </a:r>
+            <a:endParaRPr lang="en-US" sz="1600" dirty="0"/>
+          </a:p>
+          <a:p>
+            <a:pPr marL="342900" indent="-342900" algn="l">
+              <a:buFont typeface="Arial"/>
+              <a:buChar char="•"/>
+            </a:pPr>
+            <a:r>
+              <a:rPr lang="en-US" sz="1600" dirty="0"/>
+              <a:t>Backbone </a:t>
+            </a:r>
+            <a:r>
+              <a:rPr lang="en-US" sz="1600" dirty="0" smtClean="0"/>
+              <a:t>Views &amp; Handlebars</a:t>
+            </a:r>
+            <a:endParaRPr lang="en-US" sz="1600" dirty="0"/>
+          </a:p>
+          <a:p>
+            <a:pPr marL="342900" indent="-342900" algn="l">
+              <a:buFont typeface="Arial"/>
+              <a:buChar char="•"/>
+            </a:pPr>
+            <a:r>
+              <a:rPr lang="en-US" sz="1600" dirty="0"/>
+              <a:t>Lab: convert server-side static page to SPA</a:t>
+            </a:r>
+          </a:p>
+          <a:p>
+            <a:pPr marL="342900" indent="-342900" algn="l">
+              <a:buFont typeface="Arial"/>
+              <a:buChar char="•"/>
+            </a:pPr>
+            <a:r>
+              <a:rPr lang="en-US" sz="1600" dirty="0" smtClean="0"/>
+              <a:t>( lunch )</a:t>
+            </a:r>
+            <a:endParaRPr lang="en-US" sz="1600" dirty="0"/>
+          </a:p>
+          <a:p>
+            <a:pPr marL="342900" indent="-342900" algn="l">
+              <a:buFont typeface="Arial"/>
+              <a:buChar char="•"/>
+            </a:pPr>
+            <a:r>
+              <a:rPr lang="en-US" sz="1600" dirty="0"/>
+              <a:t>Discussion/Q&amp;A</a:t>
+            </a:r>
+          </a:p>
+          <a:p>
+            <a:pPr marL="342900" indent="-342900" algn="l">
+              <a:buFont typeface="Arial"/>
+              <a:buChar char="•"/>
+            </a:pPr>
+            <a:r>
+              <a:rPr lang="en-US" sz="1600" dirty="0"/>
+              <a:t>Lab: continue SPA </a:t>
+            </a:r>
+            <a:r>
+              <a:rPr lang="en-US" sz="1600" dirty="0" smtClean="0"/>
+              <a:t>conversion</a:t>
+            </a:r>
+          </a:p>
+          <a:p>
+            <a:pPr marL="342900" indent="-342900" algn="l">
+              <a:buFont typeface="Arial"/>
+              <a:buChar char="•"/>
+            </a:pPr>
+            <a:r>
+              <a:rPr lang="en-US" sz="1600" dirty="0"/>
+              <a:t>( break )</a:t>
+            </a:r>
+          </a:p>
+          <a:p>
+            <a:pPr marL="342900" indent="-342900" algn="l">
+              <a:buFont typeface="Arial"/>
+              <a:buChar char="•"/>
+            </a:pPr>
+            <a:r>
+              <a:rPr lang="en-US" sz="1600" dirty="0" smtClean="0"/>
+              <a:t>Backbone </a:t>
+            </a:r>
+            <a:r>
+              <a:rPr lang="en-US" sz="1600" dirty="0" smtClean="0"/>
+              <a:t>Collections</a:t>
+            </a:r>
           </a:p>
           <a:p>
             <a:pPr marL="342900" indent="-342900" algn="l">
@@ -3295,27 +5289,11 @@
             </a:pPr>
             <a:r>
               <a:rPr lang="en-US" sz="1600" dirty="0" smtClean="0"/>
-              <a:t>( break )</a:t>
-            </a:r>
-          </a:p>
-          <a:p>
-            <a:pPr marL="342900" indent="-342900" algn="l">
-              <a:buFont typeface="Arial"/>
-              <a:buChar char="•"/>
-            </a:pPr>
+              <a:t>( </a:t>
+            </a:r>
             <a:r>
               <a:rPr lang="en-US" sz="1600" dirty="0" smtClean="0"/>
-              <a:t>Lab: continue Collections</a:t>
-            </a:r>
-          </a:p>
-          <a:p>
-            <a:pPr marL="342900" indent="-342900" algn="l">
-              <a:buFont typeface="Arial"/>
-              <a:buChar char="•"/>
-            </a:pPr>
-            <a:r>
-              <a:rPr lang="en-US" sz="1600" dirty="0" smtClean="0"/>
-              <a:t>( lunch )</a:t>
+              <a:t>lunch )</a:t>
             </a:r>
           </a:p>
           <a:p>
@@ -3327,7 +5305,6 @@
               <a:rPr lang="en-US" sz="1600" dirty="0" smtClean="0"/>
               <a:t>Backbone Routing</a:t>
             </a:r>
-            <a:endParaRPr lang="en-US" sz="1600" dirty="0" smtClean="0"/>
           </a:p>
           <a:p>
             <a:pPr marL="342900" indent="-342900" algn="l">
@@ -3346,27 +5323,6 @@
               <a:rPr lang="en-US" sz="1600" dirty="0" smtClean="0"/>
               <a:t>Routing</a:t>
             </a:r>
-          </a:p>
-          <a:p>
-            <a:pPr marL="342900" indent="-342900" algn="l">
-              <a:buFont typeface="Arial"/>
-              <a:buChar char="•"/>
-            </a:pPr>
-            <a:r>
-              <a:rPr lang="en-US" sz="1600" dirty="0" smtClean="0"/>
-              <a:t>( break )</a:t>
-            </a:r>
-          </a:p>
-          <a:p>
-            <a:pPr marL="342900" indent="-342900" algn="l">
-              <a:buFont typeface="Arial"/>
-              <a:buChar char="•"/>
-            </a:pPr>
-            <a:r>
-              <a:rPr lang="en-US" sz="1600" dirty="0" smtClean="0"/>
-              <a:t>Lab: continue Routing</a:t>
-            </a:r>
-            <a:endParaRPr lang="en-US" sz="1600" dirty="0"/>
           </a:p>
           <a:p>
             <a:pPr marL="342900" indent="-342900" algn="l">
@@ -3436,9 +5392,12 @@
           <a:p>
             <a:r>
               <a:rPr lang="en-US" dirty="0" smtClean="0"/>
-              <a:t>Backbone Collections</a:t>
-            </a:r>
-            <a:endParaRPr lang="en-US" dirty="0"/>
+              <a:t>Backbone intro: SPA </a:t>
+            </a:r>
+            <a:r>
+              <a:rPr lang="en-US" dirty="0"/>
+              <a:t>Principles </a:t>
+            </a:r>
           </a:p>
         </p:txBody>
       </p:sp>
@@ -3460,7 +5419,7 @@
         </p:spPr>
         <p:txBody>
           <a:bodyPr>
-            <a:normAutofit fontScale="85000" lnSpcReduction="10000"/>
+            <a:normAutofit/>
           </a:bodyPr>
           <a:lstStyle/>
           <a:p>
@@ -3469,285 +5428,112 @@
               <a:buChar char="•"/>
             </a:pPr>
             <a:r>
-              <a:rPr lang="en-US" sz="2000" dirty="0"/>
-              <a:t>Models : Collection :: Database rows : </a:t>
-            </a:r>
-            <a:r>
-              <a:rPr lang="en-US" sz="2000" dirty="0" smtClean="0"/>
-              <a:t>tables</a:t>
-            </a:r>
-          </a:p>
-          <a:p>
-            <a:pPr marL="342900" indent="-342900" algn="l">
-              <a:buFont typeface="Arial"/>
-              <a:buChar char="•"/>
-            </a:pPr>
-            <a:r>
-              <a:rPr lang="en-US" sz="2000" dirty="0" smtClean="0"/>
-              <a:t>Implemented on top of Underscore collections</a:t>
-            </a:r>
-          </a:p>
-          <a:p>
-            <a:pPr marL="342900" indent="-342900" algn="l">
-              <a:buFont typeface="Arial"/>
-              <a:buChar char="•"/>
-            </a:pPr>
-            <a:r>
-              <a:rPr lang="en-US" sz="2000" dirty="0" smtClean="0"/>
-              <a:t>Use Underscore functions to process</a:t>
-            </a:r>
-          </a:p>
-          <a:p>
-            <a:pPr marL="342900" indent="-342900" algn="l">
-              <a:buFont typeface="Arial"/>
-              <a:buChar char="•"/>
-            </a:pPr>
-            <a:endParaRPr lang="en-US" sz="2000" dirty="0"/>
-          </a:p>
-          <a:p>
-            <a:pPr algn="l"/>
-            <a:r>
-              <a:rPr lang="en-US" sz="2000" dirty="0" err="1"/>
-              <a:t>var</a:t>
-            </a:r>
-            <a:r>
-              <a:rPr lang="en-US" sz="2000" dirty="0"/>
-              <a:t> </a:t>
-            </a:r>
-            <a:r>
-              <a:rPr lang="en-US" sz="2000" dirty="0" err="1" smtClean="0"/>
-              <a:t>beatles</a:t>
-            </a:r>
-            <a:r>
-              <a:rPr lang="en-US" sz="2000" dirty="0" smtClean="0"/>
-              <a:t> = </a:t>
-            </a:r>
-            <a:r>
-              <a:rPr lang="en-US" sz="2000" dirty="0"/>
-              <a:t>new </a:t>
-            </a:r>
-            <a:r>
-              <a:rPr lang="en-US" sz="2000" dirty="0" err="1"/>
-              <a:t>Backbone.Collection</a:t>
-            </a:r>
-            <a:r>
-              <a:rPr lang="en-US" sz="2000" dirty="0"/>
-              <a:t>([</a:t>
-            </a:r>
-          </a:p>
-          <a:p>
-            <a:pPr algn="l"/>
-            <a:r>
-              <a:rPr lang="en-US" sz="2000" dirty="0"/>
-              <a:t>  {name: </a:t>
-            </a:r>
-            <a:r>
-              <a:rPr lang="en-US" sz="2000" dirty="0" smtClean="0"/>
-              <a:t>"John"</a:t>
-            </a:r>
-            <a:r>
-              <a:rPr lang="en-US" sz="2000" dirty="0"/>
-              <a:t>, </a:t>
-            </a:r>
-            <a:r>
-              <a:rPr lang="en-US" sz="2000" dirty="0" smtClean="0"/>
-              <a:t>      hands: "Strings"</a:t>
-            </a:r>
-            <a:r>
-              <a:rPr lang="en-US" sz="2000" dirty="0"/>
-              <a:t>},</a:t>
-            </a:r>
-          </a:p>
-          <a:p>
-            <a:pPr algn="l"/>
-            <a:r>
-              <a:rPr lang="en-US" sz="2000" dirty="0"/>
-              <a:t>  {name: </a:t>
-            </a:r>
-            <a:r>
-              <a:rPr lang="en-US" sz="2000" dirty="0" smtClean="0"/>
-              <a:t>"Paul"</a:t>
-            </a:r>
-            <a:r>
-              <a:rPr lang="en-US" sz="2000" dirty="0"/>
-              <a:t>, </a:t>
-            </a:r>
-            <a:r>
-              <a:rPr lang="en-US" sz="2000" dirty="0" smtClean="0"/>
-              <a:t>       hands: "</a:t>
-            </a:r>
-            <a:r>
-              <a:rPr lang="en-US" sz="2000" dirty="0"/>
-              <a:t>Strings</a:t>
-            </a:r>
-            <a:r>
-              <a:rPr lang="en-US" sz="2000" dirty="0" smtClean="0"/>
-              <a:t>"</a:t>
-            </a:r>
-            <a:r>
-              <a:rPr lang="en-US" sz="2000" dirty="0"/>
-              <a:t>},</a:t>
-            </a:r>
-          </a:p>
-          <a:p>
-            <a:pPr algn="l"/>
-            <a:r>
-              <a:rPr lang="en-US" sz="2000" dirty="0"/>
-              <a:t>  {name: </a:t>
-            </a:r>
-            <a:r>
-              <a:rPr lang="en-US" sz="2000" dirty="0" smtClean="0"/>
-              <a:t>"George"</a:t>
-            </a:r>
-            <a:r>
-              <a:rPr lang="en-US" sz="2000" dirty="0"/>
-              <a:t>,  </a:t>
-            </a:r>
-            <a:r>
-              <a:rPr lang="en-US" sz="2000" dirty="0" smtClean="0"/>
-              <a:t>hands: "</a:t>
-            </a:r>
-            <a:r>
-              <a:rPr lang="en-US" sz="2000" dirty="0"/>
-              <a:t>Strings</a:t>
-            </a:r>
-            <a:r>
-              <a:rPr lang="en-US" sz="2000" dirty="0" smtClean="0"/>
-              <a:t>"</a:t>
-            </a:r>
-            <a:r>
-              <a:rPr lang="en-US" sz="2000" dirty="0"/>
-              <a:t>},</a:t>
-            </a:r>
-          </a:p>
-          <a:p>
-            <a:pPr algn="l"/>
-            <a:r>
-              <a:rPr lang="en-US" sz="2000" dirty="0"/>
-              <a:t>  {name: </a:t>
-            </a:r>
-            <a:r>
-              <a:rPr lang="en-US" sz="2000" dirty="0" smtClean="0"/>
-              <a:t>"</a:t>
-            </a:r>
-            <a:r>
-              <a:rPr lang="en-US" sz="2000" dirty="0" err="1" smtClean="0"/>
-              <a:t>Ringo</a:t>
-            </a:r>
-            <a:r>
-              <a:rPr lang="en-US" sz="2000" dirty="0" smtClean="0"/>
-              <a:t>"</a:t>
-            </a:r>
-            <a:r>
-              <a:rPr lang="en-US" sz="2000" dirty="0"/>
-              <a:t>, </a:t>
-            </a:r>
-            <a:r>
-              <a:rPr lang="en-US" sz="2000" dirty="0" smtClean="0"/>
-              <a:t>    hands: "Sticks"</a:t>
-            </a:r>
-            <a:r>
-              <a:rPr lang="en-US" sz="2000" dirty="0"/>
-              <a:t>},</a:t>
-            </a:r>
-          </a:p>
-          <a:p>
-            <a:pPr algn="l"/>
-            <a:r>
-              <a:rPr lang="en-US" sz="2000" dirty="0"/>
-              <a:t>]);</a:t>
-            </a:r>
-          </a:p>
-          <a:p>
-            <a:pPr algn="l"/>
-            <a:endParaRPr lang="en-US" sz="2000" dirty="0" smtClean="0"/>
-          </a:p>
-          <a:p>
-            <a:pPr algn="l"/>
-            <a:r>
-              <a:rPr lang="en-US" sz="2000" dirty="0" smtClean="0"/>
-              <a:t>// returns 2</a:t>
-            </a:r>
-            <a:endParaRPr lang="en-US" sz="2000" dirty="0"/>
-          </a:p>
-          <a:p>
-            <a:pPr algn="l"/>
-            <a:r>
-              <a:rPr lang="en-US" sz="2000" dirty="0" err="1" smtClean="0"/>
-              <a:t>var</a:t>
-            </a:r>
-            <a:r>
-              <a:rPr lang="en-US" sz="2000" dirty="0" smtClean="0"/>
-              <a:t> count = </a:t>
-            </a:r>
-            <a:r>
-              <a:rPr lang="en-US" sz="2000" dirty="0" err="1" smtClean="0"/>
-              <a:t>beatles.where</a:t>
-            </a:r>
-            <a:r>
-              <a:rPr lang="en-US" sz="2000" dirty="0"/>
-              <a:t>(</a:t>
-            </a:r>
-            <a:r>
-              <a:rPr lang="en-US" sz="2000" dirty="0" smtClean="0"/>
-              <a:t>{</a:t>
-            </a:r>
-            <a:r>
-              <a:rPr lang="en-US" sz="2000" dirty="0"/>
-              <a:t>hands</a:t>
-            </a:r>
-            <a:r>
-              <a:rPr lang="en-US" sz="2000" dirty="0" smtClean="0"/>
-              <a:t>: "Strings"</a:t>
-            </a:r>
-            <a:r>
-              <a:rPr lang="en-US" sz="2000" dirty="0"/>
-              <a:t>}</a:t>
-            </a:r>
-            <a:r>
-              <a:rPr lang="en-US" sz="2000" dirty="0" smtClean="0"/>
-              <a:t>)</a:t>
-            </a:r>
-          </a:p>
-          <a:p>
-            <a:pPr algn="l"/>
-            <a:r>
-              <a:rPr lang="en-US" sz="2000" dirty="0"/>
-              <a:t> </a:t>
-            </a:r>
-            <a:r>
-              <a:rPr lang="en-US" sz="2000" dirty="0" smtClean="0"/>
-              <a:t> .pluck("name")</a:t>
-            </a:r>
-          </a:p>
-          <a:p>
-            <a:pPr algn="l"/>
-            <a:r>
-              <a:rPr lang="en-US" sz="2000" dirty="0"/>
-              <a:t> </a:t>
-            </a:r>
-            <a:r>
-              <a:rPr lang="en-US" sz="2000" dirty="0" smtClean="0"/>
-              <a:t> .filter(function (name) { return </a:t>
-            </a:r>
-            <a:r>
-              <a:rPr lang="en-US" sz="2000" dirty="0" err="1" smtClean="0"/>
-              <a:t>name.length</a:t>
-            </a:r>
-            <a:r>
-              <a:rPr lang="en-US" sz="2000" dirty="0" smtClean="0"/>
-              <a:t> === 4 })</a:t>
-            </a:r>
-          </a:p>
-          <a:p>
-            <a:pPr algn="l"/>
-            <a:r>
-              <a:rPr lang="en-US" sz="2000" dirty="0"/>
-              <a:t> </a:t>
-            </a:r>
-            <a:r>
-              <a:rPr lang="en-US" sz="2000" dirty="0" smtClean="0"/>
-              <a:t> .length</a:t>
+              <a:rPr lang="en-US" sz="2400" dirty="0"/>
+              <a:t>Keeping track of state is hard</a:t>
+            </a:r>
+          </a:p>
+          <a:p>
+            <a:pPr marL="342900" indent="-342900" algn="l">
+              <a:buFont typeface="Arial"/>
+              <a:buChar char="•"/>
+            </a:pPr>
+            <a:r>
+              <a:rPr lang="en-US" sz="2400" dirty="0"/>
+              <a:t>Single Page Applications have three types of state:</a:t>
+            </a:r>
+          </a:p>
+          <a:p>
+            <a:pPr marL="800100" lvl="1" indent="-342900" algn="l">
+              <a:buFont typeface="Arial"/>
+              <a:buChar char="•"/>
+            </a:pPr>
+            <a:r>
+              <a:rPr lang="en-US" sz="2000" dirty="0"/>
+              <a:t>UI state: is this input checkbox true?</a:t>
+            </a:r>
+          </a:p>
+          <a:p>
+            <a:pPr marL="800100" lvl="1" indent="-342900" algn="l">
+              <a:buFont typeface="Arial"/>
+              <a:buChar char="•"/>
+            </a:pPr>
+            <a:r>
+              <a:rPr lang="en-US" sz="2000" dirty="0"/>
+              <a:t>Application state: you switched two widgets into edit mode</a:t>
+            </a:r>
+          </a:p>
+          <a:p>
+            <a:pPr marL="800100" lvl="1" indent="-342900" algn="l">
+              <a:buFont typeface="Arial"/>
+              <a:buChar char="•"/>
+            </a:pPr>
+            <a:r>
+              <a:rPr lang="en-US" sz="2000" dirty="0"/>
+              <a:t>Global state: authentication, settings</a:t>
+            </a:r>
+          </a:p>
+          <a:p>
+            <a:pPr marL="342900" indent="-342900" algn="l">
+              <a:buFont typeface="Arial"/>
+              <a:buChar char="•"/>
+            </a:pPr>
+            <a:r>
+              <a:rPr lang="en-US" sz="2400" dirty="0"/>
+              <a:t>Efficient DOM manipulation is hard</a:t>
+            </a:r>
+          </a:p>
+          <a:p>
+            <a:pPr marL="342900" indent="-342900" algn="l">
+              <a:buFont typeface="Arial"/>
+              <a:buChar char="•"/>
+            </a:pPr>
+            <a:r>
+              <a:rPr lang="en-US" sz="2400" dirty="0" err="1"/>
+              <a:t>jQuery</a:t>
+            </a:r>
+            <a:r>
+              <a:rPr lang="en-US" sz="2400" dirty="0"/>
+              <a:t> does DOM well, but provides little large-scale structure</a:t>
+            </a:r>
+          </a:p>
+          <a:p>
+            <a:pPr marL="342900" indent="-342900" algn="l">
+              <a:buFont typeface="Arial"/>
+              <a:buChar char="•"/>
+            </a:pPr>
+            <a:r>
+              <a:rPr lang="en-US" sz="2400" dirty="0"/>
+              <a:t>SPAs need a framework to promote </a:t>
+            </a:r>
+          </a:p>
+          <a:p>
+            <a:pPr marL="800100" lvl="1" indent="-342900" algn="l">
+              <a:buFont typeface="Arial"/>
+              <a:buChar char="•"/>
+            </a:pPr>
+            <a:r>
+              <a:rPr lang="en-US" sz="2000" dirty="0"/>
+              <a:t>Organization</a:t>
+            </a:r>
+          </a:p>
+          <a:p>
+            <a:pPr marL="800100" lvl="1" indent="-342900" algn="l">
+              <a:buFont typeface="Arial"/>
+              <a:buChar char="•"/>
+            </a:pPr>
+            <a:r>
+              <a:rPr lang="en-US" sz="2000" dirty="0"/>
+              <a:t>Reusability</a:t>
+            </a:r>
+          </a:p>
+          <a:p>
+            <a:pPr marL="800100" lvl="1" indent="-342900" algn="l">
+              <a:buFont typeface="Arial"/>
+              <a:buChar char="•"/>
+            </a:pPr>
+            <a:r>
+              <a:rPr lang="en-US" sz="2000" dirty="0"/>
+              <a:t>Flexibility</a:t>
             </a:r>
           </a:p>
         </p:txBody>
@@ -3755,7 +5541,7 @@
     </p:spTree>
     <p:extLst>
       <p:ext uri="{BB962C8B-B14F-4D97-AF65-F5344CB8AC3E}">
-        <p14:creationId xmlns:p14="http://schemas.microsoft.com/office/powerpoint/2010/main" val="4200027496"/>
+        <p14:creationId xmlns:p14="http://schemas.microsoft.com/office/powerpoint/2010/main" val="3173914966"/>
       </p:ext>
     </p:extLst>
   </p:cSld>
@@ -3810,8 +5596,12 @@
           <a:lstStyle/>
           <a:p>
             <a:r>
+              <a:rPr lang="en-US" dirty="0"/>
+              <a:t>Backbone intro: </a:t>
+            </a:r>
+            <a:r>
               <a:rPr lang="en-US" dirty="0" smtClean="0"/>
-              <a:t>Backbone Collections</a:t>
+              <a:t>Events</a:t>
             </a:r>
             <a:endParaRPr lang="en-US" dirty="0"/>
           </a:p>
@@ -3839,117 +5629,102 @@
           </a:bodyPr>
           <a:lstStyle/>
           <a:p>
-            <a:pPr algn="l"/>
-            <a:r>
-              <a:rPr lang="en-US" sz="2000" dirty="0" smtClean="0"/>
-              <a:t>Collection methods</a:t>
-            </a:r>
-          </a:p>
-          <a:p>
-            <a:pPr marL="342900" indent="-342900" algn="l">
-              <a:buFont typeface="Arial"/>
-              <a:buChar char="•"/>
-            </a:pPr>
-            <a:r>
-              <a:rPr lang="en-US" sz="2000" dirty="0"/>
-              <a:t>.get(id) </a:t>
-            </a:r>
-            <a:r>
-              <a:rPr lang="en-US" sz="2000" dirty="0" smtClean="0"/>
-              <a:t>– returns a model</a:t>
-            </a:r>
-          </a:p>
-          <a:p>
-            <a:pPr marL="342900" indent="-342900" algn="l">
-              <a:buFont typeface="Arial"/>
-              <a:buChar char="•"/>
-            </a:pPr>
-            <a:r>
-              <a:rPr lang="en-US" sz="2000" dirty="0" smtClean="0"/>
-              <a:t>.</a:t>
-            </a:r>
-            <a:r>
-              <a:rPr lang="en-US" sz="2000" dirty="0"/>
-              <a:t>add(models, [options]) </a:t>
-            </a:r>
-            <a:r>
-              <a:rPr lang="en-US" sz="2000" dirty="0" smtClean="0"/>
-              <a:t>– fires "add" event, then "change"</a:t>
-            </a:r>
-          </a:p>
-          <a:p>
-            <a:pPr marL="342900" indent="-342900" algn="l">
-              <a:buFont typeface="Arial"/>
-              <a:buChar char="•"/>
-            </a:pPr>
-            <a:r>
-              <a:rPr lang="en-US" sz="2000" dirty="0" smtClean="0"/>
-              <a:t>.</a:t>
-            </a:r>
-            <a:r>
-              <a:rPr lang="en-US" sz="2000" dirty="0"/>
-              <a:t>remove(models, [options]) </a:t>
-            </a:r>
-            <a:r>
-              <a:rPr lang="en-US" sz="2000" dirty="0" smtClean="0"/>
-              <a:t>– removes, fires event, returns removed</a:t>
-            </a:r>
-          </a:p>
-          <a:p>
-            <a:pPr marL="342900" indent="-342900" algn="l">
-              <a:buFont typeface="Arial"/>
-              <a:buChar char="•"/>
-            </a:pPr>
-            <a:r>
-              <a:rPr lang="en-US" sz="2000" dirty="0"/>
-              <a:t>push/pop/shift/</a:t>
+            <a:pPr marL="342900" indent="-342900" algn="l">
+              <a:buFont typeface="Arial"/>
+              <a:buChar char="•"/>
+            </a:pPr>
+            <a:r>
+              <a:rPr lang="en-US" sz="2000" dirty="0" smtClean="0"/>
+              <a:t>Pub/Sub pattern: Publishers and Subscribers</a:t>
+            </a:r>
+          </a:p>
+          <a:p>
+            <a:pPr marL="342900" indent="-342900" algn="l">
+              <a:buFont typeface="Arial"/>
+              <a:buChar char="•"/>
+            </a:pPr>
+            <a:r>
+              <a:rPr lang="en-US" sz="2000" dirty="0" smtClean="0"/>
+              <a:t>Imagine a radio station and listeners</a:t>
+            </a:r>
+          </a:p>
+          <a:p>
+            <a:pPr marL="342900" indent="-342900" algn="l">
+              <a:buFont typeface="Arial"/>
+              <a:buChar char="•"/>
+            </a:pPr>
+            <a:r>
+              <a:rPr lang="en-US" sz="2000" dirty="0" smtClean="0"/>
+              <a:t>Station has no way of knowing when listeners start &amp; stop</a:t>
+            </a:r>
+          </a:p>
+          <a:p>
+            <a:pPr marL="342900" indent="-342900" algn="l">
+              <a:buFont typeface="Arial"/>
+              <a:buChar char="•"/>
+            </a:pPr>
+            <a:r>
+              <a:rPr lang="en-US" sz="2000" dirty="0" smtClean="0"/>
+              <a:t>Or what they do when a particular song comes on</a:t>
+            </a:r>
+          </a:p>
+          <a:p>
+            <a:pPr marL="342900" indent="-342900" algn="l">
+              <a:buFont typeface="Arial"/>
+              <a:buChar char="•"/>
+            </a:pPr>
+            <a:r>
+              <a:rPr lang="en-US" sz="2000" dirty="0" smtClean="0"/>
+              <a:t>This demonstrates “loose coupling”, which is A Good Thing</a:t>
+            </a:r>
+          </a:p>
+          <a:p>
+            <a:pPr marL="342900" indent="-342900" algn="l">
+              <a:buFont typeface="Arial"/>
+              <a:buChar char="•"/>
+            </a:pPr>
+            <a:r>
+              <a:rPr lang="en-US" sz="2000" dirty="0" smtClean="0"/>
+              <a:t>Event typically comes with a type and a payload</a:t>
+            </a:r>
+          </a:p>
+          <a:p>
+            <a:pPr marL="342900" indent="-342900" algn="l">
+              <a:buFont typeface="Arial"/>
+              <a:buChar char="•"/>
+            </a:pPr>
+            <a:r>
+              <a:rPr lang="en-US" sz="2000" dirty="0" smtClean="0"/>
+              <a:t>[ ['song', {…}], ['commercial', {…}], </a:t>
+            </a:r>
+            <a:r>
+              <a:rPr lang="en-US" sz="2000" dirty="0"/>
+              <a:t>['song', {…}</a:t>
+            </a:r>
+            <a:r>
+              <a:rPr lang="en-US" sz="2000" dirty="0" smtClean="0"/>
+              <a:t>], ['</a:t>
             </a:r>
             <a:r>
               <a:rPr lang="en-US" sz="2000" dirty="0" err="1" smtClean="0"/>
-              <a:t>unshift</a:t>
-            </a:r>
-            <a:endParaRPr lang="en-US" sz="2000" dirty="0" smtClean="0"/>
-          </a:p>
-          <a:p>
-            <a:pPr marL="342900" indent="-342900" algn="l">
-              <a:buFont typeface="Arial"/>
-              <a:buChar char="•"/>
-            </a:pPr>
-            <a:r>
-              <a:rPr lang="en-US" sz="2000" dirty="0"/>
-              <a:t>.create(attributes, [options]) – </a:t>
-            </a:r>
-            <a:r>
-              <a:rPr lang="en-US" sz="2000" dirty="0" smtClean="0"/>
-              <a:t>make new </a:t>
-            </a:r>
-            <a:r>
-              <a:rPr lang="en-US" sz="2000" dirty="0"/>
-              <a:t>model </a:t>
-            </a:r>
-            <a:r>
-              <a:rPr lang="en-US" sz="2000" dirty="0" smtClean="0"/>
-              <a:t>and add</a:t>
+              <a:t>stationId</a:t>
+            </a:r>
+            <a:r>
+              <a:rPr lang="en-US" sz="2000" dirty="0"/>
+              <a:t>'</a:t>
+            </a:r>
+            <a:r>
+              <a:rPr lang="en-US" sz="2000" dirty="0" smtClean="0"/>
+              <a:t>, {…}] ]</a:t>
             </a:r>
             <a:endParaRPr lang="en-US" sz="2000" dirty="0"/>
-          </a:p>
-          <a:p>
-            <a:pPr algn="l"/>
-            <a:endParaRPr lang="en-US" sz="2000" dirty="0"/>
-          </a:p>
-          <a:p>
-            <a:pPr marL="342900" indent="-342900" algn="l">
-              <a:buFont typeface="Arial"/>
-              <a:buChar char="•"/>
-            </a:pPr>
-            <a:endParaRPr lang="en-US" sz="2000" dirty="0" smtClean="0"/>
           </a:p>
         </p:txBody>
       </p:sp>
     </p:spTree>
     <p:extLst>
       <p:ext uri="{BB962C8B-B14F-4D97-AF65-F5344CB8AC3E}">
-        <p14:creationId xmlns:p14="http://schemas.microsoft.com/office/powerpoint/2010/main" val="466436006"/>
+        <p14:creationId xmlns:p14="http://schemas.microsoft.com/office/powerpoint/2010/main" val="4244920692"/>
       </p:ext>
     </p:extLst>
   </p:cSld>
@@ -4004,8 +5779,12 @@
           <a:lstStyle/>
           <a:p>
             <a:r>
+              <a:rPr lang="en-US" dirty="0"/>
+              <a:t>Backbone intro: </a:t>
+            </a:r>
+            <a:r>
               <a:rPr lang="en-US" dirty="0" smtClean="0"/>
-              <a:t>Backbone Collections</a:t>
+              <a:t>Dependencies</a:t>
             </a:r>
             <a:endParaRPr lang="en-US" dirty="0"/>
           </a:p>
@@ -4033,109 +5812,180 @@
           </a:bodyPr>
           <a:lstStyle/>
           <a:p>
-            <a:pPr algn="l"/>
-            <a:r>
-              <a:rPr lang="en-US" sz="2000" dirty="0" smtClean="0"/>
-              <a:t>Lifecycle methods</a:t>
-            </a:r>
-          </a:p>
-          <a:p>
-            <a:pPr marL="342900" indent="-342900" algn="l">
-              <a:buFont typeface="Arial"/>
-              <a:buChar char="•"/>
-            </a:pPr>
-            <a:r>
-              <a:rPr lang="en-US" sz="2000" dirty="0" smtClean="0"/>
-              <a:t>.</a:t>
-            </a:r>
-            <a:r>
-              <a:rPr lang="en-US" sz="2000" dirty="0"/>
-              <a:t>set(models, [options]) </a:t>
-            </a:r>
-            <a:r>
-              <a:rPr lang="en-US" sz="2000" dirty="0" smtClean="0"/>
-              <a:t> - smart merges argument with current </a:t>
-            </a:r>
-          </a:p>
-          <a:p>
-            <a:pPr marL="342900" indent="-342900" algn="l">
-              <a:buFont typeface="Arial"/>
-              <a:buChar char="•"/>
-            </a:pPr>
-            <a:r>
-              <a:rPr lang="en-US" sz="2000" dirty="0" smtClean="0"/>
-              <a:t>.</a:t>
-            </a:r>
-            <a:r>
-              <a:rPr lang="en-US" sz="2000" dirty="0"/>
-              <a:t>reset([models], [options]) </a:t>
-            </a:r>
-            <a:r>
-              <a:rPr lang="en-US" sz="2000" dirty="0" smtClean="0"/>
-              <a:t>– replace current with argument</a:t>
-            </a:r>
-          </a:p>
-          <a:p>
-            <a:pPr marL="342900" indent="-342900" algn="l">
-              <a:buFont typeface="Arial"/>
-              <a:buChar char="•"/>
-            </a:pPr>
-            <a:r>
-              <a:rPr lang="en-US" sz="2000" dirty="0" smtClean="0"/>
-              <a:t>.</a:t>
-            </a:r>
-            <a:r>
-              <a:rPr lang="en-US" sz="2000" dirty="0"/>
-              <a:t>fetch([options]) </a:t>
-            </a:r>
-            <a:r>
-              <a:rPr lang="en-US" sz="2000" dirty="0" smtClean="0"/>
-              <a:t>– server fetch followed by set</a:t>
-            </a:r>
-          </a:p>
-          <a:p>
-            <a:pPr marL="342900" indent="-342900" algn="l">
-              <a:buFont typeface="Arial"/>
-              <a:buChar char="•"/>
-            </a:pPr>
-            <a:r>
-              <a:rPr lang="en-US" sz="2000" dirty="0" smtClean="0"/>
-              <a:t>.</a:t>
-            </a:r>
-            <a:r>
-              <a:rPr lang="en-US" sz="2000" dirty="0"/>
-              <a:t>parse(response, options</a:t>
-            </a:r>
-            <a:r>
-              <a:rPr lang="en-US" sz="2000" dirty="0" smtClean="0"/>
-              <a:t>) – fetch uses internally, override to alter data</a:t>
-            </a:r>
-          </a:p>
-          <a:p>
-            <a:pPr marL="342900" indent="-342900" algn="l">
-              <a:buFont typeface="Arial"/>
-              <a:buChar char="•"/>
-            </a:pPr>
-            <a:r>
-              <a:rPr lang="en-US" sz="2000" dirty="0"/>
-              <a:t>.sync(method, collection, [options]) </a:t>
-            </a:r>
-            <a:r>
-              <a:rPr lang="en-US" sz="2000" dirty="0" smtClean="0"/>
-              <a:t>– persist data to server</a:t>
-            </a:r>
+            <a:pPr marL="342900" indent="-342900" algn="l">
+              <a:buFont typeface="Arial"/>
+              <a:buChar char="•"/>
+            </a:pPr>
+            <a:r>
+              <a:rPr lang="en-US" sz="2000" dirty="0" smtClean="0"/>
+              <a:t>Backbone is built on top of </a:t>
+            </a:r>
+            <a:r>
+              <a:rPr lang="en-US" sz="2000" dirty="0" err="1" smtClean="0"/>
+              <a:t>jQuery</a:t>
+            </a:r>
+            <a:r>
+              <a:rPr lang="en-US" sz="2000" dirty="0" smtClean="0"/>
+              <a:t> and Underscore</a:t>
+            </a:r>
+          </a:p>
+          <a:p>
+            <a:pPr marL="800100" lvl="1" indent="-342900" algn="l">
+              <a:buFont typeface="Arial"/>
+              <a:buChar char="•"/>
+            </a:pPr>
+            <a:r>
+              <a:rPr lang="en-US" sz="1600" dirty="0" smtClean="0"/>
+              <a:t>They have to be loaded in global scope before Backbone</a:t>
+            </a:r>
+          </a:p>
+          <a:p>
+            <a:pPr marL="800100" lvl="1" indent="-342900" algn="l">
+              <a:buFont typeface="Arial"/>
+              <a:buChar char="•"/>
+            </a:pPr>
+            <a:r>
+              <a:rPr lang="en-US" sz="1600" dirty="0" smtClean="0"/>
+              <a:t>Serial script tags is one way to do this</a:t>
+            </a:r>
+          </a:p>
+          <a:p>
+            <a:pPr marL="800100" lvl="1" indent="-342900" algn="l">
+              <a:buFont typeface="Arial"/>
+              <a:buChar char="•"/>
+            </a:pPr>
+            <a:r>
+              <a:rPr lang="en-US" sz="1600" dirty="0" smtClean="0"/>
+              <a:t>Concatenating into a single download file is another </a:t>
+            </a:r>
+          </a:p>
+          <a:p>
+            <a:pPr marL="342900" indent="-342900" algn="l">
+              <a:buFont typeface="Arial"/>
+              <a:buChar char="•"/>
+            </a:pPr>
+            <a:r>
+              <a:rPr lang="en-US" sz="2000" dirty="0" smtClean="0"/>
+              <a:t>These methods work fine if dependency relations are few and simple</a:t>
+            </a:r>
+          </a:p>
+          <a:p>
+            <a:pPr marL="342900" indent="-342900" algn="l">
+              <a:buFont typeface="Arial"/>
+              <a:buChar char="•"/>
+            </a:pPr>
+            <a:r>
+              <a:rPr lang="en-US" sz="2000" dirty="0" smtClean="0"/>
+              <a:t>More complicated situations:</a:t>
+            </a:r>
+          </a:p>
+          <a:p>
+            <a:pPr marL="800100" lvl="1" indent="-342900" algn="l">
+              <a:buFont typeface="Arial"/>
+              <a:buChar char="•"/>
+            </a:pPr>
+            <a:r>
+              <a:rPr lang="en-US" sz="1600" dirty="0" smtClean="0"/>
+              <a:t>Your app will plug into a hosted page, and you want to use </a:t>
+            </a:r>
+            <a:r>
+              <a:rPr lang="en-US" sz="1600" dirty="0" err="1" smtClean="0"/>
+              <a:t>jQuery</a:t>
+            </a:r>
+            <a:r>
+              <a:rPr lang="en-US" sz="1600" dirty="0" smtClean="0"/>
+              <a:t> </a:t>
+            </a:r>
+            <a:r>
+              <a:rPr lang="en-US" sz="1600" dirty="0"/>
+              <a:t>if </a:t>
+            </a:r>
+            <a:r>
+              <a:rPr lang="en-US" sz="1600" dirty="0" smtClean="0"/>
+              <a:t>already loaded </a:t>
+            </a:r>
+          </a:p>
+          <a:p>
+            <a:pPr marL="800100" lvl="1" indent="-342900" algn="l">
+              <a:buFont typeface="Arial"/>
+              <a:buChar char="•"/>
+            </a:pPr>
+            <a:r>
+              <a:rPr lang="en-US" sz="1600" dirty="0" smtClean="0"/>
+              <a:t>Some </a:t>
+            </a:r>
+            <a:r>
+              <a:rPr lang="en-US" sz="1600" dirty="0" err="1" smtClean="0"/>
+              <a:t>jQuery</a:t>
+            </a:r>
+            <a:r>
+              <a:rPr lang="en-US" sz="1600" dirty="0" smtClean="0"/>
+              <a:t> plugin you want to use depends on Underscore, but some Backbone plugin you're already using breaks if </a:t>
+            </a:r>
+            <a:r>
+              <a:rPr lang="en-US" sz="1600" dirty="0" err="1" smtClean="0"/>
+              <a:t>jQuery</a:t>
+            </a:r>
+            <a:r>
+              <a:rPr lang="en-US" sz="1600" dirty="0" smtClean="0"/>
+              <a:t> isn't loaded first</a:t>
+            </a:r>
+          </a:p>
+          <a:p>
+            <a:pPr marL="342900" indent="-342900" algn="l">
+              <a:buFont typeface="Arial"/>
+              <a:buChar char="•"/>
+            </a:pPr>
+            <a:r>
+              <a:rPr lang="en-US" sz="2000" dirty="0" smtClean="0"/>
+              <a:t>Script loaders are usually the solution to these problems</a:t>
+            </a:r>
+          </a:p>
+          <a:p>
+            <a:pPr marL="800100" lvl="1" indent="-342900" algn="l">
+              <a:buFont typeface="Arial"/>
+              <a:buChar char="•"/>
+            </a:pPr>
+            <a:r>
+              <a:rPr lang="en-US" sz="1600" dirty="0" err="1" smtClean="0"/>
+              <a:t>RequireJS</a:t>
+            </a:r>
+            <a:endParaRPr lang="en-US" sz="1600" dirty="0" smtClean="0"/>
+          </a:p>
+          <a:p>
+            <a:pPr marL="800100" lvl="1" indent="-342900" algn="l">
+              <a:buFont typeface="Arial"/>
+              <a:buChar char="•"/>
+            </a:pPr>
+            <a:r>
+              <a:rPr lang="en-US" sz="1600" dirty="0" err="1" smtClean="0"/>
+              <a:t>Webpack</a:t>
+            </a:r>
+            <a:endParaRPr lang="en-US" sz="1600" dirty="0" smtClean="0"/>
+          </a:p>
+          <a:p>
+            <a:pPr marL="342900" indent="-342900" algn="l">
+              <a:buFont typeface="Arial"/>
+              <a:buChar char="•"/>
+            </a:pPr>
+            <a:r>
+              <a:rPr lang="en-US" sz="2000" dirty="0" smtClean="0"/>
+              <a:t>Backbone does not support AMD, so YMMV</a:t>
+            </a:r>
+          </a:p>
+          <a:p>
+            <a:pPr marL="342900" indent="-342900" algn="l">
+              <a:buFont typeface="Arial"/>
+              <a:buChar char="•"/>
+            </a:pPr>
             <a:endParaRPr lang="en-US" sz="2000" dirty="0"/>
-          </a:p>
-          <a:p>
-            <a:pPr algn="l"/>
-            <a:endParaRPr lang="en-US" sz="2000" dirty="0" smtClean="0"/>
           </a:p>
         </p:txBody>
       </p:sp>
     </p:spTree>
     <p:extLst>
       <p:ext uri="{BB962C8B-B14F-4D97-AF65-F5344CB8AC3E}">
-        <p14:creationId xmlns:p14="http://schemas.microsoft.com/office/powerpoint/2010/main" val="35380602"/>
+        <p14:creationId xmlns:p14="http://schemas.microsoft.com/office/powerpoint/2010/main" val="3289914231"/>
       </p:ext>
     </p:extLst>
   </p:cSld>
@@ -4190,10 +6040,9 @@
           <a:lstStyle/>
           <a:p>
             <a:r>
-              <a:rPr lang="en-US" dirty="0" smtClean="0"/>
-              <a:t>Lab: Backbone Collections</a:t>
-            </a:r>
-            <a:endParaRPr lang="en-US" dirty="0"/>
+              <a:rPr lang="en-US" dirty="0"/>
+              <a:t>Intro to underscore</a:t>
+            </a:r>
           </a:p>
         </p:txBody>
       </p:sp>
@@ -4221,60 +6070,147 @@
           <a:p>
             <a:pPr algn="l"/>
             <a:r>
-              <a:rPr lang="en-US" sz="2000" dirty="0"/>
-              <a:t> - Change server-side logic to support multiple models</a:t>
-            </a:r>
-          </a:p>
-          <a:p>
-            <a:pPr algn="l"/>
-            <a:r>
-              <a:rPr lang="en-US" sz="2000" dirty="0"/>
-              <a:t> - Modify existing tests as necessary; add new</a:t>
-            </a:r>
-          </a:p>
-          <a:p>
-            <a:pPr algn="l"/>
-            <a:r>
-              <a:rPr lang="en-US" sz="2000" dirty="0"/>
-              <a:t> - Add client-side Collections</a:t>
-            </a:r>
-          </a:p>
-          <a:p>
-            <a:pPr algn="l"/>
-            <a:r>
-              <a:rPr lang="en-US" sz="2000" dirty="0"/>
-              <a:t> - Add/modify </a:t>
-            </a:r>
-            <a:r>
-              <a:rPr lang="en-US" sz="2000" dirty="0" smtClean="0"/>
-              <a:t>tests</a:t>
-            </a:r>
-          </a:p>
-          <a:p>
-            <a:pPr algn="l"/>
-            <a:r>
-              <a:rPr lang="en-US" sz="2000" dirty="0"/>
-              <a:t> </a:t>
-            </a:r>
-            <a:r>
-              <a:rPr lang="en-US" sz="2000" dirty="0" smtClean="0"/>
-              <a:t>- 60 </a:t>
+              <a:rPr lang="en-US" sz="2000" dirty="0" smtClean="0"/>
+              <a:t>Utility methods</a:t>
+            </a:r>
+          </a:p>
+          <a:p>
+            <a:pPr marL="342900" indent="-342900" algn="l">
+              <a:buFont typeface="Arial"/>
+              <a:buChar char="•"/>
+            </a:pPr>
+            <a:r>
+              <a:rPr lang="en-US" sz="2000" dirty="0"/>
+              <a:t>_</a:t>
+            </a:r>
+            <a:r>
+              <a:rPr lang="en-US" sz="2000" dirty="0" smtClean="0"/>
+              <a:t>.</a:t>
             </a:r>
             <a:r>
               <a:rPr lang="en-US" sz="2000" dirty="0" err="1" smtClean="0"/>
-              <a:t>mins</a:t>
-            </a:r>
-            <a:r>
-              <a:rPr lang="en-US" sz="2000" dirty="0" smtClean="0"/>
-              <a:t>, then 10 min break</a:t>
-            </a:r>
+              <a:t>isEmpty</a:t>
+            </a:r>
+            <a:r>
+              <a:rPr lang="en-US" sz="2000" dirty="0" smtClean="0"/>
+              <a:t>(</a:t>
+            </a:r>
+            <a:r>
+              <a:rPr lang="en-US" sz="2000" dirty="0"/>
+              <a:t>value) </a:t>
+            </a:r>
+            <a:endParaRPr lang="en-US" sz="2000" dirty="0" smtClean="0"/>
+          </a:p>
+          <a:p>
+            <a:pPr marL="342900" indent="-342900" algn="l">
+              <a:buFont typeface="Arial"/>
+              <a:buChar char="•"/>
+            </a:pPr>
+            <a:r>
+              <a:rPr lang="en-US" sz="2000" dirty="0"/>
+              <a:t>_.random(min, max) </a:t>
+            </a:r>
+            <a:endParaRPr lang="en-US" sz="2000" dirty="0" smtClean="0"/>
+          </a:p>
+          <a:p>
+            <a:pPr marL="342900" indent="-342900" algn="l">
+              <a:buFont typeface="Arial"/>
+              <a:buChar char="•"/>
+            </a:pPr>
+            <a:r>
+              <a:rPr lang="en-US" sz="2000" dirty="0"/>
+              <a:t>_.keys(object) </a:t>
+            </a:r>
+            <a:endParaRPr lang="en-US" sz="2000" dirty="0" smtClean="0"/>
+          </a:p>
+          <a:p>
+            <a:pPr marL="342900" indent="-342900" algn="l">
+              <a:buFont typeface="Arial"/>
+              <a:buChar char="•"/>
+            </a:pPr>
+            <a:r>
+              <a:rPr lang="en-US" sz="2000" dirty="0"/>
+              <a:t>_.</a:t>
+            </a:r>
+            <a:r>
+              <a:rPr lang="en-US" sz="2000" dirty="0" err="1"/>
+              <a:t>sortedIndex</a:t>
+            </a:r>
+            <a:r>
+              <a:rPr lang="en-US" sz="2000" dirty="0"/>
+              <a:t>(list, value, [</a:t>
+            </a:r>
+            <a:r>
+              <a:rPr lang="en-US" sz="2000" dirty="0" err="1"/>
+              <a:t>iteratee</a:t>
+            </a:r>
+            <a:r>
+              <a:rPr lang="en-US" sz="2000" dirty="0"/>
+              <a:t>], [context]) </a:t>
+            </a:r>
+            <a:endParaRPr lang="en-US" sz="2000" dirty="0" smtClean="0"/>
+          </a:p>
+          <a:p>
+            <a:pPr marL="342900" indent="-342900" algn="l">
+              <a:buFont typeface="Arial"/>
+              <a:buChar char="•"/>
+            </a:pPr>
+            <a:r>
+              <a:rPr lang="en-US" sz="2000" dirty="0"/>
+              <a:t>_.</a:t>
+            </a:r>
+            <a:r>
+              <a:rPr lang="en-US" sz="2000" dirty="0" err="1"/>
+              <a:t>debounce</a:t>
+            </a:r>
+            <a:r>
+              <a:rPr lang="en-US" sz="2000" dirty="0"/>
+              <a:t>(function, wait, [immediate]</a:t>
+            </a:r>
+            <a:r>
+              <a:rPr lang="en-US" sz="2000" dirty="0" smtClean="0"/>
+              <a:t>)</a:t>
+            </a:r>
+          </a:p>
+          <a:p>
+            <a:pPr marL="342900" indent="-342900" algn="l">
+              <a:buFont typeface="Arial"/>
+              <a:buChar char="•"/>
+            </a:pPr>
+            <a:r>
+              <a:rPr lang="en-US" sz="2000" dirty="0"/>
+              <a:t>_.template(</a:t>
+            </a:r>
+            <a:r>
+              <a:rPr lang="en-US" sz="2000" dirty="0" err="1"/>
+              <a:t>templateString</a:t>
+            </a:r>
+            <a:r>
+              <a:rPr lang="en-US" sz="2000" dirty="0"/>
+              <a:t>, [settings]) </a:t>
+            </a:r>
+            <a:endParaRPr lang="en-US" sz="2000" dirty="0" smtClean="0"/>
+          </a:p>
+          <a:p>
+            <a:pPr marL="342900" indent="-342900" algn="l">
+              <a:buFont typeface="Arial"/>
+              <a:buChar char="•"/>
+            </a:pPr>
+            <a:endParaRPr lang="en-US" sz="2000" dirty="0"/>
+          </a:p>
+          <a:p>
+            <a:pPr marL="342900" indent="-342900" algn="l">
+              <a:buFont typeface="Arial"/>
+              <a:buChar char="•"/>
+            </a:pPr>
+            <a:endParaRPr lang="en-US" sz="2000" dirty="0" smtClean="0"/>
           </a:p>
         </p:txBody>
       </p:sp>
     </p:spTree>
     <p:extLst>
       <p:ext uri="{BB962C8B-B14F-4D97-AF65-F5344CB8AC3E}">
-        <p14:creationId xmlns:p14="http://schemas.microsoft.com/office/powerpoint/2010/main" val="3523914633"/>
+        <p14:creationId xmlns:p14="http://schemas.microsoft.com/office/powerpoint/2010/main" val="482974542"/>
       </p:ext>
     </p:extLst>
   </p:cSld>
@@ -4329,10 +6265,9 @@
           <a:lstStyle/>
           <a:p>
             <a:r>
-              <a:rPr lang="en-US" dirty="0" smtClean="0"/>
-              <a:t>Lab: Backbone Routing</a:t>
-            </a:r>
-            <a:endParaRPr lang="en-US" dirty="0"/>
+              <a:rPr lang="en-US" dirty="0"/>
+              <a:t>Intro to underscore</a:t>
+            </a:r>
           </a:p>
         </p:txBody>
       </p:sp>
@@ -4358,245 +6293,680 @@
           </a:bodyPr>
           <a:lstStyle/>
           <a:p>
-            <a:pPr marL="342900" indent="-342900" algn="l">
-              <a:buFont typeface="Arial"/>
-              <a:buChar char="•"/>
-            </a:pPr>
-            <a:r>
-              <a:rPr lang="en-US" sz="2000" dirty="0" smtClean="0"/>
-              <a:t>Like server-side routing </a:t>
-            </a:r>
-          </a:p>
-          <a:p>
-            <a:pPr marL="342900" indent="-342900" algn="l">
-              <a:buFont typeface="Arial"/>
-              <a:buChar char="•"/>
-            </a:pPr>
-            <a:r>
-              <a:rPr lang="en-US" sz="2000" dirty="0" smtClean="0"/>
-              <a:t>But acts on hash fragment or History API</a:t>
-            </a:r>
-          </a:p>
-          <a:p>
-            <a:pPr marL="342900" indent="-342900" algn="l">
-              <a:buFont typeface="Arial"/>
-              <a:buChar char="•"/>
-            </a:pPr>
-            <a:r>
-              <a:rPr lang="en-US" sz="2000" dirty="0" smtClean="0"/>
-              <a:t>Once page has loaded, call </a:t>
-            </a:r>
+            <a:pPr algn="l"/>
+            <a:r>
+              <a:rPr lang="en-US" sz="2000" dirty="0" smtClean="0"/>
+              <a:t>Functionally oriented</a:t>
+            </a:r>
+          </a:p>
+          <a:p>
+            <a:pPr marL="342900" indent="-342900" algn="l">
+              <a:buFont typeface="Arial"/>
+              <a:buChar char="•"/>
+            </a:pPr>
+            <a:r>
+              <a:rPr lang="en-US" sz="2000" dirty="0" smtClean="0"/>
+              <a:t>Focus on transforming arrays (aka "lists") by applying functions</a:t>
+            </a:r>
+          </a:p>
+          <a:p>
+            <a:pPr marL="342900" indent="-342900" algn="l">
+              <a:buFont typeface="Arial"/>
+              <a:buChar char="•"/>
+            </a:pPr>
+            <a:r>
+              <a:rPr lang="en-US" sz="2000" dirty="0" smtClean="0"/>
+              <a:t>Encourages chaining and binding</a:t>
+            </a:r>
+          </a:p>
+          <a:p>
+            <a:pPr marL="342900" indent="-342900" algn="l">
+              <a:buFont typeface="Arial"/>
+              <a:buChar char="•"/>
+            </a:pPr>
             <a:r>
               <a:rPr lang="en-US" sz="2000" dirty="0" err="1" smtClean="0"/>
-              <a:t>Backbone.history.start</a:t>
-            </a:r>
-            <a:r>
-              <a:rPr lang="en-US" sz="2000" dirty="0"/>
-              <a:t>(</a:t>
-            </a:r>
-            <a:r>
-              <a:rPr lang="en-US" sz="2000" dirty="0" smtClean="0"/>
-              <a:t>)</a:t>
-            </a:r>
-          </a:p>
-          <a:p>
-            <a:pPr marL="342900" indent="-342900" algn="l">
-              <a:buFont typeface="Arial"/>
-              <a:buChar char="•"/>
-            </a:pPr>
-            <a:r>
-              <a:rPr lang="en-US" sz="2000" dirty="0" smtClean="0"/>
-              <a:t>Mark significant </a:t>
-            </a:r>
-            <a:r>
-              <a:rPr lang="en-US" sz="2000" dirty="0"/>
-              <a:t>actions with .navigate(fragment, [options]) </a:t>
-            </a:r>
+              <a:t>jQuery</a:t>
+            </a:r>
+            <a:r>
+              <a:rPr lang="en-US" sz="2000" dirty="0" smtClean="0"/>
+              <a:t> : $ :: Underscore : _</a:t>
+            </a:r>
+          </a:p>
+          <a:p>
+            <a:pPr marL="342900" indent="-342900" algn="l">
+              <a:buFont typeface="Arial"/>
+              <a:buChar char="•"/>
+            </a:pPr>
+            <a:endParaRPr lang="en-US" sz="2000" dirty="0"/>
+          </a:p>
+          <a:p>
+            <a:pPr algn="l"/>
+            <a:r>
+              <a:rPr lang="en-US" sz="2000" dirty="0" err="1" smtClean="0"/>
+              <a:t>var</a:t>
+            </a:r>
+            <a:r>
+              <a:rPr lang="en-US" sz="2000" dirty="0" smtClean="0"/>
+              <a:t> list = [</a:t>
+            </a:r>
+            <a:r>
+              <a:rPr lang="en-US" sz="2000" dirty="0"/>
+              <a:t>1, 2, 3</a:t>
+            </a:r>
+            <a:r>
+              <a:rPr lang="en-US" sz="2000" dirty="0" smtClean="0"/>
+              <a:t>];</a:t>
+            </a:r>
+          </a:p>
+          <a:p>
+            <a:pPr algn="l"/>
+            <a:r>
+              <a:rPr lang="en-US" sz="2000" dirty="0" smtClean="0"/>
+              <a:t>list = _</a:t>
+            </a:r>
+            <a:r>
+              <a:rPr lang="en-US" sz="2000" dirty="0"/>
+              <a:t>.map</a:t>
+            </a:r>
+            <a:r>
+              <a:rPr lang="en-US" sz="2000" dirty="0" smtClean="0"/>
+              <a:t>(list, </a:t>
+            </a:r>
+            <a:r>
+              <a:rPr lang="en-US" sz="2000" dirty="0"/>
+              <a:t>function(</a:t>
+            </a:r>
+            <a:r>
+              <a:rPr lang="en-US" sz="2000" dirty="0" err="1"/>
+              <a:t>num</a:t>
+            </a:r>
+            <a:r>
+              <a:rPr lang="en-US" sz="2000" dirty="0"/>
+              <a:t>){ return </a:t>
+            </a:r>
+            <a:r>
+              <a:rPr lang="en-US" sz="2000" dirty="0" err="1"/>
+              <a:t>num</a:t>
+            </a:r>
+            <a:r>
+              <a:rPr lang="en-US" sz="2000" dirty="0"/>
+              <a:t> * </a:t>
+            </a:r>
+            <a:r>
+              <a:rPr lang="en-US" sz="2000" dirty="0" smtClean="0"/>
+              <a:t>3; </a:t>
+            </a:r>
+            <a:r>
+              <a:rPr lang="en-US" sz="2000" dirty="0"/>
+              <a:t>}</a:t>
+            </a:r>
+            <a:r>
+              <a:rPr lang="en-US" sz="2000" dirty="0" smtClean="0"/>
+              <a:t>);</a:t>
+            </a:r>
+          </a:p>
+          <a:p>
+            <a:pPr algn="l"/>
+            <a:r>
+              <a:rPr lang="en-US" sz="2000" dirty="0"/>
+              <a:t>// returns </a:t>
+            </a:r>
+            <a:r>
+              <a:rPr lang="en-US" sz="2000" dirty="0" smtClean="0"/>
+              <a:t>true</a:t>
+            </a:r>
+          </a:p>
+          <a:p>
+            <a:pPr algn="l"/>
+            <a:r>
+              <a:rPr lang="en-US" sz="2000" dirty="0" smtClean="0"/>
+              <a:t>_.</a:t>
+            </a:r>
+            <a:r>
+              <a:rPr lang="en-US" sz="2000" dirty="0"/>
+              <a:t>every</a:t>
+            </a:r>
+            <a:r>
+              <a:rPr lang="en-US" sz="2000" dirty="0" smtClean="0"/>
+              <a:t>([2, 4, 5], </a:t>
+            </a:r>
+            <a:r>
+              <a:rPr lang="en-US" sz="2000" dirty="0"/>
+              <a:t>function(</a:t>
+            </a:r>
+            <a:r>
+              <a:rPr lang="en-US" sz="2000" dirty="0" err="1"/>
+              <a:t>num</a:t>
+            </a:r>
+            <a:r>
+              <a:rPr lang="en-US" sz="2000" dirty="0"/>
+              <a:t>) { return </a:t>
+            </a:r>
+            <a:r>
+              <a:rPr lang="en-US" sz="2000" dirty="0" err="1"/>
+              <a:t>num</a:t>
+            </a:r>
+            <a:r>
+              <a:rPr lang="en-US" sz="2000" dirty="0"/>
+              <a:t> % 2 == 0; })</a:t>
+            </a:r>
+            <a:r>
+              <a:rPr lang="en-US" sz="2000" dirty="0" smtClean="0"/>
+              <a:t>;</a:t>
+            </a:r>
+          </a:p>
+          <a:p>
+            <a:pPr algn="l"/>
+            <a:r>
+              <a:rPr lang="en-US" sz="2000" dirty="0" smtClean="0"/>
+              <a:t>// alternative, returns true</a:t>
+            </a:r>
+          </a:p>
+          <a:p>
+            <a:pPr algn="l"/>
+            <a:r>
+              <a:rPr lang="en-US" sz="2000" dirty="0" smtClean="0"/>
+              <a:t>_.chain(list).map(</a:t>
+            </a:r>
+            <a:r>
+              <a:rPr lang="en-US" sz="2000" dirty="0"/>
+              <a:t>function(</a:t>
+            </a:r>
+            <a:r>
+              <a:rPr lang="en-US" sz="2000" dirty="0" err="1"/>
+              <a:t>num</a:t>
+            </a:r>
+            <a:r>
+              <a:rPr lang="en-US" sz="2000" dirty="0"/>
+              <a:t>){ return </a:t>
+            </a:r>
+            <a:r>
+              <a:rPr lang="en-US" sz="2000" dirty="0" err="1"/>
+              <a:t>num</a:t>
+            </a:r>
+            <a:r>
+              <a:rPr lang="en-US" sz="2000" dirty="0"/>
+              <a:t> * 3; </a:t>
+            </a:r>
+            <a:r>
+              <a:rPr lang="en-US" sz="2000" dirty="0" smtClean="0"/>
+              <a:t>})</a:t>
+            </a:r>
+          </a:p>
+          <a:p>
+            <a:pPr algn="l"/>
+            <a:r>
+              <a:rPr lang="en-US" sz="2000" dirty="0"/>
+              <a:t> </a:t>
+            </a:r>
+            <a:r>
+              <a:rPr lang="en-US" sz="2000" dirty="0" smtClean="0"/>
+              <a:t> .every(</a:t>
+            </a:r>
+            <a:r>
+              <a:rPr lang="en-US" sz="2000" dirty="0"/>
+              <a:t>function(</a:t>
+            </a:r>
+            <a:r>
+              <a:rPr lang="en-US" sz="2000" dirty="0" err="1"/>
+              <a:t>num</a:t>
+            </a:r>
+            <a:r>
+              <a:rPr lang="en-US" sz="2000" dirty="0"/>
+              <a:t>) { return </a:t>
+            </a:r>
+            <a:r>
+              <a:rPr lang="en-US" sz="2000" dirty="0" err="1"/>
+              <a:t>num</a:t>
+            </a:r>
+            <a:r>
+              <a:rPr lang="en-US" sz="2000" dirty="0"/>
+              <a:t> % 2 == 0; });</a:t>
+            </a:r>
+          </a:p>
+          <a:p>
+            <a:pPr algn="l"/>
             <a:endParaRPr lang="en-US" sz="2000" dirty="0" smtClean="0"/>
-          </a:p>
-          <a:p>
-            <a:pPr marL="800100" lvl="1" indent="-342900" algn="l">
-              <a:buFont typeface="Arial"/>
-              <a:buChar char="•"/>
-            </a:pPr>
-            <a:r>
-              <a:rPr lang="en-US" sz="1600" dirty="0" smtClean="0"/>
-              <a:t>:</a:t>
-            </a:r>
-            <a:r>
-              <a:rPr lang="en-US" sz="1600" dirty="0" err="1" smtClean="0"/>
-              <a:t>params</a:t>
-            </a:r>
-            <a:r>
-              <a:rPr lang="en-US" sz="1600" dirty="0" smtClean="0"/>
-              <a:t> for one section</a:t>
-            </a:r>
-          </a:p>
-          <a:p>
-            <a:pPr marL="800100" lvl="1" indent="-342900" algn="l">
-              <a:buFont typeface="Arial"/>
-              <a:buChar char="•"/>
-            </a:pPr>
-            <a:r>
-              <a:rPr lang="en-US" sz="1600" dirty="0" smtClean="0"/>
-              <a:t>*splats for multiple</a:t>
-            </a:r>
-          </a:p>
-          <a:p>
-            <a:pPr marL="800100" lvl="1" indent="-342900" algn="l">
-              <a:buFont typeface="Arial"/>
-              <a:buChar char="•"/>
-            </a:pPr>
-            <a:r>
-              <a:rPr lang="en-US" sz="1600" dirty="0" smtClean="0"/>
-              <a:t>Nest with parentheses</a:t>
-            </a:r>
-          </a:p>
-          <a:p>
-            <a:pPr marL="800100" lvl="1" indent="-342900" algn="l">
-              <a:buFont typeface="Arial"/>
-              <a:buChar char="•"/>
-            </a:pPr>
-            <a:r>
-              <a:rPr lang="en-US" sz="1600" dirty="0" smtClean="0"/>
-              <a:t>Note slashes count as unique URLs</a:t>
-            </a:r>
-          </a:p>
-          <a:p>
-            <a:pPr marL="342900" indent="-342900" algn="l">
-              <a:buFont typeface="Arial"/>
-              <a:buChar char="•"/>
-            </a:pPr>
-            <a:endParaRPr lang="en-US" sz="2000" dirty="0"/>
-          </a:p>
-          <a:p>
-            <a:pPr algn="l"/>
-            <a:r>
-              <a:rPr lang="en-US" sz="2000" dirty="0" err="1"/>
-              <a:t>var</a:t>
-            </a:r>
-            <a:r>
-              <a:rPr lang="en-US" sz="2000" dirty="0"/>
-              <a:t> Workspace = </a:t>
-            </a:r>
-            <a:r>
-              <a:rPr lang="en-US" sz="2000" dirty="0" err="1"/>
-              <a:t>Backbone.Router.extend</a:t>
-            </a:r>
-            <a:r>
-              <a:rPr lang="en-US" sz="2000" dirty="0"/>
-              <a:t>(</a:t>
-            </a:r>
-            <a:r>
-              <a:rPr lang="en-US" sz="2000" dirty="0" smtClean="0"/>
-              <a:t>{</a:t>
-            </a:r>
-            <a:endParaRPr lang="en-US" sz="2000" dirty="0"/>
-          </a:p>
-          <a:p>
-            <a:pPr algn="l"/>
-            <a:r>
-              <a:rPr lang="en-US" sz="2000" dirty="0"/>
-              <a:t>  routes: {</a:t>
-            </a:r>
-          </a:p>
-          <a:p>
-            <a:pPr algn="l"/>
-            <a:r>
-              <a:rPr lang="en-US" sz="2000" dirty="0"/>
-              <a:t>    "</a:t>
-            </a:r>
-            <a:r>
-              <a:rPr lang="en-US" sz="2000" dirty="0" smtClean="0"/>
-              <a:t>help/:subject(/:</a:t>
-            </a:r>
-            <a:r>
-              <a:rPr lang="en-US" sz="2000" dirty="0" err="1" smtClean="0"/>
-              <a:t>pagenumber</a:t>
-            </a:r>
-            <a:r>
-              <a:rPr lang="en-US" sz="2000" dirty="0" smtClean="0"/>
-              <a:t>)"</a:t>
-            </a:r>
-            <a:r>
-              <a:rPr lang="en-US" sz="2000" dirty="0"/>
-              <a:t>: </a:t>
-            </a:r>
-            <a:r>
-              <a:rPr lang="en-US" sz="2000" dirty="0" smtClean="0"/>
-              <a:t>"help"</a:t>
-            </a:r>
-            <a:r>
-              <a:rPr lang="en-US" sz="2000" dirty="0"/>
-              <a:t>,    // </a:t>
-            </a:r>
-            <a:r>
-              <a:rPr lang="en-US" sz="2000" dirty="0" smtClean="0"/>
-              <a:t>.help( subject, [</a:t>
-            </a:r>
-            <a:r>
-              <a:rPr lang="en-US" sz="2000" dirty="0" err="1" smtClean="0"/>
-              <a:t>pagenumber</a:t>
-            </a:r>
-            <a:r>
-              <a:rPr lang="en-US" sz="2000" dirty="0" smtClean="0"/>
-              <a:t>] )</a:t>
-            </a:r>
-            <a:endParaRPr lang="en-US" sz="2000" dirty="0"/>
-          </a:p>
-          <a:p>
-            <a:pPr algn="l"/>
-            <a:r>
-              <a:rPr lang="en-US" sz="2000" dirty="0"/>
-              <a:t>    </a:t>
-            </a:r>
-            <a:r>
-              <a:rPr lang="en-US" sz="2000" dirty="0" smtClean="0"/>
-              <a:t>"</a:t>
-            </a:r>
-            <a:r>
-              <a:rPr lang="en-US" sz="2000" dirty="0" err="1" smtClean="0"/>
-              <a:t>filesearch</a:t>
-            </a:r>
-            <a:r>
-              <a:rPr lang="en-US" sz="2000" dirty="0" smtClean="0"/>
-              <a:t>/*path"</a:t>
-            </a:r>
-            <a:r>
-              <a:rPr lang="en-US" sz="2000" dirty="0"/>
-              <a:t>: </a:t>
-            </a:r>
-            <a:r>
-              <a:rPr lang="en-US" sz="2000" dirty="0" smtClean="0"/>
-              <a:t>"</a:t>
-            </a:r>
-            <a:r>
-              <a:rPr lang="en-US" sz="2000" dirty="0" err="1" smtClean="0"/>
-              <a:t>fsHelper</a:t>
-            </a:r>
-            <a:r>
-              <a:rPr lang="en-US" sz="2000" dirty="0" smtClean="0"/>
-              <a:t>"</a:t>
-            </a:r>
-            <a:r>
-              <a:rPr lang="en-US" sz="2000" dirty="0"/>
-              <a:t>,  // </a:t>
-            </a:r>
-            <a:r>
-              <a:rPr lang="en-US" sz="2000" dirty="0" err="1" smtClean="0"/>
-              <a:t>fsHelper</a:t>
-            </a:r>
-            <a:r>
-              <a:rPr lang="en-US" sz="2000" dirty="0" smtClean="0"/>
-              <a:t> gets passed 'more/than/1/slash/'</a:t>
-            </a:r>
           </a:p>
         </p:txBody>
       </p:sp>
     </p:spTree>
     <p:extLst>
       <p:ext uri="{BB962C8B-B14F-4D97-AF65-F5344CB8AC3E}">
-        <p14:creationId xmlns:p14="http://schemas.microsoft.com/office/powerpoint/2010/main" val="2791365468"/>
+        <p14:creationId xmlns:p14="http://schemas.microsoft.com/office/powerpoint/2010/main" val="2314590206"/>
+      </p:ext>
+    </p:extLst>
+  </p:cSld>
+  <p:clrMapOvr>
+    <a:masterClrMapping/>
+  </p:clrMapOvr>
+  <p:timing>
+    <p:tnLst>
+      <p:par>
+        <p:cTn xmlns:p14="http://schemas.microsoft.com/office/powerpoint/2010/main" id="1" dur="indefinite" restart="never" nodeType="tmRoot"/>
+      </p:par>
+    </p:tnLst>
+  </p:timing>
+</p:sld>
+</file>
+
+<file path=ppt/slides/slide8.xml><?xml version="1.0" encoding="utf-8"?>
+<p:sld xmlns:a="http://schemas.openxmlformats.org/drawingml/2006/main" xmlns:r="http://schemas.openxmlformats.org/officeDocument/2006/relationships" xmlns:p="http://schemas.openxmlformats.org/presentationml/2006/main">
+  <p:cSld>
+    <p:spTree>
+      <p:nvGrpSpPr>
+        <p:cNvPr id="1" name=""/>
+        <p:cNvGrpSpPr/>
+        <p:nvPr/>
+      </p:nvGrpSpPr>
+      <p:grpSpPr>
+        <a:xfrm>
+          <a:off x="0" y="0"/>
+          <a:ext cx="0" cy="0"/>
+          <a:chOff x="0" y="0"/>
+          <a:chExt cx="0" cy="0"/>
+        </a:xfrm>
+      </p:grpSpPr>
+      <p:sp>
+        <p:nvSpPr>
+          <p:cNvPr id="2" name="Title 1"/>
+          <p:cNvSpPr>
+            <a:spLocks noGrp="1"/>
+          </p:cNvSpPr>
+          <p:nvPr>
+            <p:ph type="ctrTitle"/>
+          </p:nvPr>
+        </p:nvSpPr>
+        <p:spPr>
+          <a:xfrm>
+            <a:off x="685800" y="160685"/>
+            <a:ext cx="7772400" cy="1470025"/>
+          </a:xfrm>
+        </p:spPr>
+        <p:txBody>
+          <a:bodyPr/>
+          <a:lstStyle/>
+          <a:p>
+            <a:r>
+              <a:rPr lang="en-US" dirty="0" smtClean="0"/>
+              <a:t>Backbone Models</a:t>
+            </a:r>
+            <a:endParaRPr lang="en-US" dirty="0"/>
+          </a:p>
+        </p:txBody>
+      </p:sp>
+      <p:sp>
+        <p:nvSpPr>
+          <p:cNvPr id="3" name="Subtitle 2"/>
+          <p:cNvSpPr>
+            <a:spLocks noGrp="1"/>
+          </p:cNvSpPr>
+          <p:nvPr>
+            <p:ph type="subTitle" idx="1"/>
+          </p:nvPr>
+        </p:nvSpPr>
+        <p:spPr>
+          <a:xfrm>
+            <a:off x="454651" y="1630710"/>
+            <a:ext cx="8371875" cy="4609893"/>
+          </a:xfrm>
+        </p:spPr>
+        <p:txBody>
+          <a:bodyPr>
+            <a:normAutofit/>
+          </a:bodyPr>
+          <a:lstStyle/>
+          <a:p>
+            <a:pPr marL="342900" indent="-342900" algn="l">
+              <a:buFont typeface="Arial"/>
+              <a:buChar char="•"/>
+            </a:pPr>
+            <a:r>
+              <a:rPr lang="en-US" sz="2000" dirty="0"/>
+              <a:t>Orchestrates data and business </a:t>
+            </a:r>
+            <a:r>
+              <a:rPr lang="en-US" sz="2000" dirty="0" smtClean="0"/>
+              <a:t>logic</a:t>
+            </a:r>
+            <a:endParaRPr lang="en-US" sz="2000" dirty="0"/>
+          </a:p>
+          <a:p>
+            <a:pPr marL="342900" indent="-342900" algn="l">
+              <a:buFont typeface="Arial"/>
+              <a:buChar char="•"/>
+            </a:pPr>
+            <a:r>
+              <a:rPr lang="en-US" sz="2000" dirty="0"/>
+              <a:t>Loads and saves from the </a:t>
+            </a:r>
+            <a:r>
+              <a:rPr lang="en-US" sz="2000" dirty="0" smtClean="0"/>
+              <a:t>server</a:t>
+            </a:r>
+            <a:endParaRPr lang="en-US" sz="2000" dirty="0"/>
+          </a:p>
+          <a:p>
+            <a:pPr marL="342900" indent="-342900" algn="l">
+              <a:buFont typeface="Arial"/>
+              <a:buChar char="•"/>
+            </a:pPr>
+            <a:r>
+              <a:rPr lang="en-US" sz="2000" dirty="0"/>
+              <a:t>Emits events when data </a:t>
+            </a:r>
+            <a:r>
+              <a:rPr lang="en-US" sz="2000" dirty="0" smtClean="0"/>
+              <a:t>changes</a:t>
+            </a:r>
+          </a:p>
+          <a:p>
+            <a:pPr marL="342900" indent="-342900" algn="l">
+              <a:buFont typeface="Arial"/>
+              <a:buChar char="•"/>
+            </a:pPr>
+            <a:r>
+              <a:rPr lang="en-US" sz="2000" dirty="0" smtClean="0"/>
+              <a:t>Methods:</a:t>
+            </a:r>
+          </a:p>
+          <a:p>
+            <a:pPr marL="800100" lvl="1" indent="-342900" algn="l">
+              <a:buFont typeface="Arial"/>
+              <a:buChar char="•"/>
+            </a:pPr>
+            <a:r>
+              <a:rPr lang="en-US" sz="1600" dirty="0" smtClean="0"/>
+              <a:t>Initialize (defaults)</a:t>
+            </a:r>
+            <a:endParaRPr lang="en-US" sz="1600" dirty="0"/>
+          </a:p>
+          <a:p>
+            <a:pPr marL="800100" lvl="1" indent="-342900" algn="l">
+              <a:buFont typeface="Arial"/>
+              <a:buChar char="•"/>
+            </a:pPr>
+            <a:r>
+              <a:rPr lang="en-US" sz="1600" dirty="0" smtClean="0"/>
+              <a:t>fetch</a:t>
+            </a:r>
+            <a:r>
+              <a:rPr lang="en-US" sz="1600" dirty="0"/>
+              <a:t>/parse/save/</a:t>
+            </a:r>
+            <a:r>
+              <a:rPr lang="en-US" sz="1600" dirty="0" smtClean="0"/>
+              <a:t>sync</a:t>
+            </a:r>
+          </a:p>
+          <a:p>
+            <a:pPr marL="800100" lvl="1" indent="-342900" algn="l">
+              <a:buFont typeface="Arial"/>
+              <a:buChar char="•"/>
+            </a:pPr>
+            <a:r>
+              <a:rPr lang="en-US" sz="1600" dirty="0"/>
+              <a:t>g</a:t>
+            </a:r>
+            <a:r>
+              <a:rPr lang="en-US" sz="1600" dirty="0" smtClean="0"/>
+              <a:t>et/set/unset/has</a:t>
+            </a:r>
+          </a:p>
+          <a:p>
+            <a:pPr marL="342900" indent="-342900" algn="l">
+              <a:buFont typeface="Arial"/>
+              <a:buChar char="•"/>
+            </a:pPr>
+            <a:r>
+              <a:rPr lang="en-US" sz="2000" dirty="0" smtClean="0"/>
+              <a:t>Class pattern – define with extend(), instantiate with 'new'</a:t>
+            </a:r>
+          </a:p>
+          <a:p>
+            <a:pPr marL="342900" indent="-342900" algn="l">
+              <a:buFont typeface="Arial"/>
+              <a:buChar char="•"/>
+            </a:pPr>
+            <a:r>
+              <a:rPr lang="en-US" sz="2000" dirty="0" err="1"/>
+              <a:t>var</a:t>
+            </a:r>
+            <a:r>
+              <a:rPr lang="en-US" sz="2000" dirty="0"/>
+              <a:t> Note = </a:t>
+            </a:r>
+            <a:r>
+              <a:rPr lang="en-US" sz="2000" dirty="0" err="1"/>
+              <a:t>Backbone.Model.extend</a:t>
+            </a:r>
+            <a:r>
+              <a:rPr lang="en-US" sz="2000" dirty="0"/>
+              <a:t>(</a:t>
+            </a:r>
+            <a:r>
+              <a:rPr lang="en-US" sz="2000" dirty="0" smtClean="0"/>
+              <a:t>{ initialize: …  // class values</a:t>
+            </a:r>
+          </a:p>
+          <a:p>
+            <a:pPr marL="342900" indent="-342900" algn="l">
+              <a:buFont typeface="Arial"/>
+              <a:buChar char="•"/>
+            </a:pPr>
+            <a:r>
+              <a:rPr lang="en-US" sz="2000" dirty="0" err="1" smtClean="0"/>
+              <a:t>var</a:t>
+            </a:r>
+            <a:r>
+              <a:rPr lang="en-US" sz="2000" dirty="0" smtClean="0"/>
+              <a:t> </a:t>
+            </a:r>
+            <a:r>
+              <a:rPr lang="en-US" sz="2000" dirty="0" err="1" smtClean="0"/>
+              <a:t>oneNote</a:t>
+            </a:r>
+            <a:r>
+              <a:rPr lang="en-US" sz="2000" dirty="0" smtClean="0"/>
+              <a:t> = new Note({ </a:t>
+            </a:r>
+            <a:r>
+              <a:rPr lang="en-US" sz="2000" dirty="0" err="1" smtClean="0"/>
+              <a:t>somethingSpecific</a:t>
+            </a:r>
+            <a:r>
+              <a:rPr lang="en-US" sz="2000" dirty="0" smtClean="0"/>
+              <a:t>: … // instance values });</a:t>
+            </a:r>
+          </a:p>
+          <a:p>
+            <a:pPr marL="342900" indent="-342900" algn="l">
+              <a:buFont typeface="Arial"/>
+              <a:buChar char="•"/>
+            </a:pPr>
+            <a:endParaRPr lang="en-US" sz="2000" dirty="0" smtClean="0"/>
+          </a:p>
+        </p:txBody>
+      </p:sp>
+    </p:spTree>
+    <p:extLst>
+      <p:ext uri="{BB962C8B-B14F-4D97-AF65-F5344CB8AC3E}">
+        <p14:creationId xmlns:p14="http://schemas.microsoft.com/office/powerpoint/2010/main" val="1240021774"/>
+      </p:ext>
+    </p:extLst>
+  </p:cSld>
+  <p:clrMapOvr>
+    <a:masterClrMapping/>
+  </p:clrMapOvr>
+  <p:timing>
+    <p:tnLst>
+      <p:par>
+        <p:cTn xmlns:p14="http://schemas.microsoft.com/office/powerpoint/2010/main" id="1" dur="indefinite" restart="never" nodeType="tmRoot"/>
+      </p:par>
+    </p:tnLst>
+  </p:timing>
+</p:sld>
+</file>
+
+<file path=ppt/slides/slide9.xml><?xml version="1.0" encoding="utf-8"?>
+<p:sld xmlns:a="http://schemas.openxmlformats.org/drawingml/2006/main" xmlns:r="http://schemas.openxmlformats.org/officeDocument/2006/relationships" xmlns:p="http://schemas.openxmlformats.org/presentationml/2006/main">
+  <p:cSld>
+    <p:spTree>
+      <p:nvGrpSpPr>
+        <p:cNvPr id="1" name=""/>
+        <p:cNvGrpSpPr/>
+        <p:nvPr/>
+      </p:nvGrpSpPr>
+      <p:grpSpPr>
+        <a:xfrm>
+          <a:off x="0" y="0"/>
+          <a:ext cx="0" cy="0"/>
+          <a:chOff x="0" y="0"/>
+          <a:chExt cx="0" cy="0"/>
+        </a:xfrm>
+      </p:grpSpPr>
+      <p:sp>
+        <p:nvSpPr>
+          <p:cNvPr id="2" name="Title 1"/>
+          <p:cNvSpPr>
+            <a:spLocks noGrp="1"/>
+          </p:cNvSpPr>
+          <p:nvPr>
+            <p:ph type="ctrTitle"/>
+          </p:nvPr>
+        </p:nvSpPr>
+        <p:spPr>
+          <a:xfrm>
+            <a:off x="685800" y="160685"/>
+            <a:ext cx="7772400" cy="1470025"/>
+          </a:xfrm>
+        </p:spPr>
+        <p:txBody>
+          <a:bodyPr/>
+          <a:lstStyle/>
+          <a:p>
+            <a:r>
+              <a:rPr lang="en-US" dirty="0" smtClean="0"/>
+              <a:t>Lab: Backbone Models</a:t>
+            </a:r>
+            <a:endParaRPr lang="en-US" dirty="0"/>
+          </a:p>
+        </p:txBody>
+      </p:sp>
+      <p:sp>
+        <p:nvSpPr>
+          <p:cNvPr id="3" name="Subtitle 2"/>
+          <p:cNvSpPr>
+            <a:spLocks noGrp="1"/>
+          </p:cNvSpPr>
+          <p:nvPr>
+            <p:ph type="subTitle" idx="1"/>
+          </p:nvPr>
+        </p:nvSpPr>
+        <p:spPr>
+          <a:xfrm>
+            <a:off x="454651" y="1630710"/>
+            <a:ext cx="8371875" cy="4609893"/>
+          </a:xfrm>
+        </p:spPr>
+        <p:txBody>
+          <a:bodyPr>
+            <a:normAutofit/>
+          </a:bodyPr>
+          <a:lstStyle/>
+          <a:p>
+            <a:pPr marL="342900" indent="-342900" algn="l">
+              <a:buFont typeface="Arial"/>
+              <a:buChar char="•"/>
+            </a:pPr>
+            <a:r>
+              <a:rPr lang="en-US" sz="2000" dirty="0"/>
+              <a:t> </a:t>
+            </a:r>
+            <a:r>
+              <a:rPr lang="en-US" sz="2000" dirty="0" err="1" smtClean="0"/>
+              <a:t>npm</a:t>
+            </a:r>
+            <a:r>
+              <a:rPr lang="en-US" sz="2000" dirty="0" smtClean="0"/>
+              <a:t> </a:t>
+            </a:r>
+            <a:r>
+              <a:rPr lang="en-US" sz="2000" dirty="0"/>
+              <a:t>install Backbone &amp; dependencies</a:t>
+            </a:r>
+          </a:p>
+          <a:p>
+            <a:pPr marL="342900" indent="-342900" algn="l">
+              <a:buFont typeface="Arial"/>
+              <a:buChar char="•"/>
+            </a:pPr>
+            <a:r>
+              <a:rPr lang="en-US" sz="2000" dirty="0" smtClean="0"/>
+              <a:t> Get </a:t>
+            </a:r>
+            <a:r>
+              <a:rPr lang="en-US" sz="2000" dirty="0"/>
+              <a:t>familiar with Underscore &amp; functional orientation</a:t>
+            </a:r>
+          </a:p>
+          <a:p>
+            <a:pPr marL="342900" indent="-342900" algn="l">
+              <a:buFont typeface="Arial"/>
+              <a:buChar char="•"/>
+            </a:pPr>
+            <a:r>
+              <a:rPr lang="en-US" sz="2000" dirty="0" smtClean="0"/>
+              <a:t> Brief </a:t>
+            </a:r>
+            <a:r>
+              <a:rPr lang="en-US" sz="2000" dirty="0"/>
+              <a:t>exploration of Backbone Events on a POJO</a:t>
+            </a:r>
+          </a:p>
+          <a:p>
+            <a:pPr marL="342900" indent="-342900" algn="l">
+              <a:buFont typeface="Arial"/>
+              <a:buChar char="•"/>
+            </a:pPr>
+            <a:r>
+              <a:rPr lang="en-US" sz="2000" dirty="0" smtClean="0"/>
+              <a:t> Dive </a:t>
+            </a:r>
+            <a:r>
+              <a:rPr lang="en-US" sz="2000" dirty="0"/>
+              <a:t>into Backbone </a:t>
+            </a:r>
+            <a:r>
+              <a:rPr lang="en-US" sz="2000" dirty="0" smtClean="0"/>
+              <a:t>Model</a:t>
+            </a:r>
+          </a:p>
+          <a:p>
+            <a:pPr marL="342900" indent="-342900" algn="l">
+              <a:buFont typeface="Arial"/>
+              <a:buChar char="•"/>
+            </a:pPr>
+            <a:r>
+              <a:rPr lang="en-US" sz="2000" dirty="0" smtClean="0"/>
+              <a:t> 60 </a:t>
+            </a:r>
+            <a:r>
+              <a:rPr lang="en-US" sz="2000" dirty="0" err="1" smtClean="0"/>
+              <a:t>mins</a:t>
+            </a:r>
+            <a:r>
+              <a:rPr lang="en-US" sz="2000" dirty="0" smtClean="0"/>
+              <a:t>, then lunch</a:t>
+            </a:r>
+          </a:p>
+        </p:txBody>
+      </p:sp>
+    </p:spTree>
+    <p:extLst>
+      <p:ext uri="{BB962C8B-B14F-4D97-AF65-F5344CB8AC3E}">
+        <p14:creationId xmlns:p14="http://schemas.microsoft.com/office/powerpoint/2010/main" val="4116776648"/>
       </p:ext>
     </p:extLst>
   </p:cSld>
